--- a/2009_15PB_Tanker_CPP.pptx
+++ b/2009_15PB_Tanker_CPP.pptx
@@ -5,7 +5,7 @@
     <p:sldMasterId id="2147483660" r:id="rId1"/>
   </p:sldMasterIdLst>
   <p:notesMasterIdLst>
-    <p:notesMasterId r:id="rId13"/>
+    <p:notesMasterId r:id="rId12"/>
   </p:notesMasterIdLst>
   <p:sldIdLst>
     <p:sldId id="259" r:id="rId2"/>
@@ -17,8 +17,7 @@
     <p:sldId id="286" r:id="rId8"/>
     <p:sldId id="266" r:id="rId9"/>
     <p:sldId id="288" r:id="rId10"/>
-    <p:sldId id="287" r:id="rId11"/>
-    <p:sldId id="272" r:id="rId12"/>
+    <p:sldId id="272" r:id="rId11"/>
   </p:sldIdLst>
   <p:sldSz cx="7620000" cy="5715000"/>
   <p:notesSz cx="6858000" cy="9144000"/>
@@ -4272,9 +4271,9 @@
         <p:grpSpPr bwMode="auto">
           <a:xfrm>
             <a:off x="5286375" y="4370388"/>
-            <a:ext cx="2268538" cy="1192905"/>
+            <a:ext cx="2268538" cy="1348061"/>
             <a:chOff x="0" y="0"/>
-            <a:chExt cx="1960590" cy="1109566"/>
+            <a:chExt cx="1960590" cy="1253882"/>
           </a:xfrm>
         </p:grpSpPr>
         <p:sp>
@@ -4331,7 +4330,7 @@
           <p:spPr bwMode="auto">
             <a:xfrm>
               <a:off x="36004" y="0"/>
-              <a:ext cx="1861407" cy="1030589"/>
+              <a:ext cx="1861407" cy="1253882"/>
             </a:xfrm>
             <a:prstGeom prst="rect">
               <a:avLst/>
@@ -4469,7 +4468,88 @@
                   <a:ea typeface="微软雅黑" panose="020B0503020204020204" pitchFamily="34" charset="-122"/>
                   <a:sym typeface="微软雅黑" panose="020B0503020204020204" pitchFamily="34" charset="-122"/>
                 </a:rPr>
-                <a:t>                 </a:t>
+                <a:t> </a:t>
+              </a:r>
+              <a:r>
+                <a:rPr lang="en-US" altLang="zh-CN" sz="1300" dirty="0" smtClean="0">
+                  <a:solidFill>
+                    <a:srgbClr val="FFFFFF"/>
+                  </a:solidFill>
+                  <a:latin typeface="微软雅黑" panose="020B0503020204020204" pitchFamily="34" charset="-122"/>
+                  <a:ea typeface="微软雅黑" panose="020B0503020204020204" pitchFamily="34" charset="-122"/>
+                  <a:sym typeface="微软雅黑" panose="020B0503020204020204" pitchFamily="34" charset="-122"/>
+                </a:rPr>
+                <a:t>       </a:t>
+              </a:r>
+              <a:r>
+                <a:rPr lang="zh-CN" altLang="en-US" sz="1300" dirty="0" smtClean="0">
+                  <a:solidFill>
+                    <a:srgbClr val="FFFFFF"/>
+                  </a:solidFill>
+                  <a:latin typeface="微软雅黑" panose="020B0503020204020204" pitchFamily="34" charset="-122"/>
+                  <a:ea typeface="微软雅黑" panose="020B0503020204020204" pitchFamily="34" charset="-122"/>
+                  <a:sym typeface="微软雅黑" panose="020B0503020204020204" pitchFamily="34" charset="-122"/>
+                </a:rPr>
+                <a:t>学</a:t>
+              </a:r>
+              <a:r>
+                <a:rPr lang="zh-CN" altLang="en-US" sz="1300" dirty="0" smtClean="0">
+                  <a:solidFill>
+                    <a:srgbClr val="FFFFFF"/>
+                  </a:solidFill>
+                  <a:latin typeface="微软雅黑" panose="020B0503020204020204" pitchFamily="34" charset="-122"/>
+                  <a:ea typeface="微软雅黑" panose="020B0503020204020204" pitchFamily="34" charset="-122"/>
+                  <a:sym typeface="微软雅黑" panose="020B0503020204020204" pitchFamily="34" charset="-122"/>
+                </a:rPr>
+                <a:t>员：毛宏伟</a:t>
+              </a:r>
+              <a:endParaRPr lang="en-US" altLang="zh-CN" sz="1300" dirty="0" smtClean="0">
+                <a:solidFill>
+                  <a:srgbClr val="FFFFFF"/>
+                </a:solidFill>
+                <a:latin typeface="微软雅黑" panose="020B0503020204020204" pitchFamily="34" charset="-122"/>
+                <a:ea typeface="微软雅黑" panose="020B0503020204020204" pitchFamily="34" charset="-122"/>
+                <a:sym typeface="微软雅黑" panose="020B0503020204020204" pitchFamily="34" charset="-122"/>
+              </a:endParaRPr>
+            </a:p>
+            <a:p>
+              <a:pPr>
+                <a:lnSpc>
+                  <a:spcPct val="120000"/>
+                </a:lnSpc>
+              </a:pPr>
+              <a:r>
+                <a:rPr lang="en-US" altLang="zh-CN" sz="1300" dirty="0">
+                  <a:solidFill>
+                    <a:srgbClr val="FFFFFF"/>
+                  </a:solidFill>
+                  <a:latin typeface="微软雅黑" panose="020B0503020204020204" pitchFamily="34" charset="-122"/>
+                  <a:ea typeface="微软雅黑" panose="020B0503020204020204" pitchFamily="34" charset="-122"/>
+                  <a:sym typeface="微软雅黑" panose="020B0503020204020204" pitchFamily="34" charset="-122"/>
+                </a:rPr>
+                <a:t> </a:t>
+              </a:r>
+              <a:r>
+                <a:rPr lang="en-US" altLang="zh-CN" sz="1300" dirty="0" smtClean="0">
+                  <a:solidFill>
+                    <a:srgbClr val="FFFFFF"/>
+                  </a:solidFill>
+                  <a:latin typeface="微软雅黑" panose="020B0503020204020204" pitchFamily="34" charset="-122"/>
+                  <a:ea typeface="微软雅黑" panose="020B0503020204020204" pitchFamily="34" charset="-122"/>
+                  <a:sym typeface="微软雅黑" panose="020B0503020204020204" pitchFamily="34" charset="-122"/>
+                </a:rPr>
+                <a:t>       </a:t>
+              </a:r>
+              <a:r>
+                <a:rPr lang="zh-CN" altLang="en-US" sz="1300" dirty="0" smtClean="0">
+                  <a:solidFill>
+                    <a:srgbClr val="FFFFFF"/>
+                  </a:solidFill>
+                  <a:latin typeface="微软雅黑" panose="020B0503020204020204" pitchFamily="34" charset="-122"/>
+                  <a:ea typeface="微软雅黑" panose="020B0503020204020204" pitchFamily="34" charset="-122"/>
+                  <a:sym typeface="微软雅黑" panose="020B0503020204020204" pitchFamily="34" charset="-122"/>
+                </a:rPr>
+                <a:t>老</a:t>
               </a:r>
               <a:r>
                 <a:rPr lang="zh-CN" altLang="en-US" sz="1300" dirty="0">
@@ -4480,18 +4560,7 @@
                   <a:ea typeface="微软雅黑" panose="020B0503020204020204" pitchFamily="34" charset="-122"/>
                   <a:sym typeface="微软雅黑" panose="020B0503020204020204" pitchFamily="34" charset="-122"/>
                 </a:rPr>
-                <a:t>	</a:t>
-              </a:r>
-              <a:r>
-                <a:rPr lang="zh-CN" altLang="en-US" sz="1300" dirty="0" smtClean="0">
-                  <a:solidFill>
-                    <a:srgbClr val="FFFFFF"/>
-                  </a:solidFill>
-                  <a:latin typeface="微软雅黑" panose="020B0503020204020204" pitchFamily="34" charset="-122"/>
-                  <a:ea typeface="微软雅黑" panose="020B0503020204020204" pitchFamily="34" charset="-122"/>
-                  <a:sym typeface="微软雅黑" panose="020B0503020204020204" pitchFamily="34" charset="-122"/>
-                </a:rPr>
-                <a:t>毛宏伟</a:t>
+                <a:t>师：荆琳、万敏</a:t>
               </a:r>
               <a:endParaRPr lang="en-US" altLang="zh-CN" sz="1300" dirty="0">
                 <a:solidFill>
@@ -4517,7 +4586,18 @@
                   <a:ea typeface="微软雅黑" panose="020B0503020204020204" pitchFamily="34" charset="-122"/>
                   <a:sym typeface="微软雅黑" panose="020B0503020204020204" pitchFamily="34" charset="-122"/>
                 </a:rPr>
-                <a:t>	</a:t>
+                <a:t> </a:t>
+              </a:r>
+              <a:r>
+                <a:rPr lang="zh-CN" altLang="en-US" sz="1300" dirty="0" smtClean="0">
+                  <a:solidFill>
+                    <a:srgbClr val="FFFFFF"/>
+                  </a:solidFill>
+                  <a:latin typeface="微软雅黑" panose="020B0503020204020204" pitchFamily="34" charset="-122"/>
+                  <a:ea typeface="微软雅黑" panose="020B0503020204020204" pitchFamily="34" charset="-122"/>
+                  <a:sym typeface="微软雅黑" panose="020B0503020204020204" pitchFamily="34" charset="-122"/>
+                </a:rPr>
+                <a:t>       </a:t>
               </a:r>
               <a:r>
                 <a:rPr lang="en-US" altLang="zh-CN" sz="1300" dirty="0" smtClean="0">
@@ -4635,653 +4715,6 @@
 </file>
 
 <file path=ppt/slides/slide10.xml><?xml version="1.0" encoding="utf-8"?>
-<p:sld xmlns:a="http://schemas.openxmlformats.org/drawingml/2006/main" xmlns:r="http://schemas.openxmlformats.org/officeDocument/2006/relationships" xmlns:p="http://schemas.openxmlformats.org/presentationml/2006/main">
-  <p:cSld>
-    <p:spTree>
-      <p:nvGrpSpPr>
-        <p:cNvPr id="1" name=""/>
-        <p:cNvGrpSpPr/>
-        <p:nvPr/>
-      </p:nvGrpSpPr>
-      <p:grpSpPr>
-        <a:xfrm>
-          <a:off x="0" y="0"/>
-          <a:ext cx="0" cy="0"/>
-          <a:chOff x="0" y="0"/>
-          <a:chExt cx="0" cy="0"/>
-        </a:xfrm>
-      </p:grpSpPr>
-      <p:sp>
-        <p:nvSpPr>
-          <p:cNvPr id="4098" name="矩形 21"/>
-          <p:cNvSpPr>
-            <a:spLocks noChangeArrowheads="1"/>
-          </p:cNvSpPr>
-          <p:nvPr/>
-        </p:nvSpPr>
-        <p:spPr bwMode="auto">
-          <a:xfrm>
-            <a:off x="0" y="1525352"/>
-            <a:ext cx="7620000" cy="3756434"/>
-          </a:xfrm>
-          <a:prstGeom prst="rect">
-            <a:avLst/>
-          </a:prstGeom>
-          <a:solidFill>
-            <a:srgbClr val="E1E0E2">
-              <a:alpha val="50000"/>
-            </a:srgbClr>
-          </a:solidFill>
-          <a:ln>
-            <a:noFill/>
-          </a:ln>
-          <a:extLst>
-            <a:ext uri="{91240B29-F687-4F45-9708-019B960494DF}">
-              <a14:hiddenLine xmlns:a14="http://schemas.microsoft.com/office/drawing/2010/main" w="9525">
-                <a:solidFill>
-                  <a:srgbClr val="000000"/>
-                </a:solidFill>
-                <a:miter lim="800000"/>
-                <a:headEnd/>
-                <a:tailEnd/>
-              </a14:hiddenLine>
-            </a:ext>
-          </a:extLst>
-        </p:spPr>
-        <p:txBody>
-          <a:bodyPr tIns="210000"/>
-          <a:lstStyle/>
-          <a:p>
-            <a:pPr>
-              <a:lnSpc>
-                <a:spcPct val="150000"/>
-              </a:lnSpc>
-            </a:pPr>
-            <a:r>
-              <a:rPr lang="en-US" altLang="zh-CN" sz="2000" dirty="0">
-                <a:solidFill>
-                  <a:srgbClr val="FFFFFF"/>
-                </a:solidFill>
-                <a:latin typeface="微软雅黑" panose="020B0503020204020204" pitchFamily="34" charset="-122"/>
-                <a:ea typeface="微软雅黑" panose="020B0503020204020204" pitchFamily="34" charset="-122"/>
-                <a:sym typeface="微软雅黑" panose="020B0503020204020204" pitchFamily="34" charset="-122"/>
-              </a:rPr>
-              <a:t>1. </a:t>
-            </a:r>
-            <a:r>
-              <a:rPr lang="zh-CN" altLang="en-US" sz="2000" dirty="0">
-                <a:solidFill>
-                  <a:srgbClr val="FFFFFF"/>
-                </a:solidFill>
-                <a:latin typeface="微软雅黑" panose="020B0503020204020204" pitchFamily="34" charset="-122"/>
-                <a:ea typeface="微软雅黑" panose="020B0503020204020204" pitchFamily="34" charset="-122"/>
-                <a:sym typeface="微软雅黑" panose="020B0503020204020204" pitchFamily="34" charset="-122"/>
-              </a:rPr>
-              <a:t>友元</a:t>
-            </a:r>
-            <a:r>
-              <a:rPr lang="en-US" altLang="zh-CN" sz="2000" dirty="0">
-                <a:solidFill>
-                  <a:srgbClr val="FFFFFF"/>
-                </a:solidFill>
-                <a:latin typeface="微软雅黑" panose="020B0503020204020204" pitchFamily="34" charset="-122"/>
-                <a:ea typeface="微软雅黑" panose="020B0503020204020204" pitchFamily="34" charset="-122"/>
-                <a:sym typeface="微软雅黑" panose="020B0503020204020204" pitchFamily="34" charset="-122"/>
-              </a:rPr>
-              <a:t>——</a:t>
-            </a:r>
-            <a:r>
-              <a:rPr lang="zh-CN" altLang="en-US" sz="2000" dirty="0">
-                <a:solidFill>
-                  <a:srgbClr val="FFFFFF"/>
-                </a:solidFill>
-                <a:latin typeface="微软雅黑" panose="020B0503020204020204" pitchFamily="34" charset="-122"/>
-                <a:ea typeface="微软雅黑" panose="020B0503020204020204" pitchFamily="34" charset="-122"/>
-                <a:sym typeface="微软雅黑" panose="020B0503020204020204" pitchFamily="34" charset="-122"/>
-              </a:rPr>
-              <a:t>友元类</a:t>
-            </a:r>
-          </a:p>
-          <a:p>
-            <a:pPr>
-              <a:lnSpc>
-                <a:spcPct val="150000"/>
-              </a:lnSpc>
-            </a:pPr>
-            <a:r>
-              <a:rPr lang="en-US" altLang="zh-CN" sz="2000" dirty="0">
-                <a:solidFill>
-                  <a:srgbClr val="FFFFFF"/>
-                </a:solidFill>
-                <a:latin typeface="微软雅黑" panose="020B0503020204020204" pitchFamily="34" charset="-122"/>
-                <a:ea typeface="微软雅黑" panose="020B0503020204020204" pitchFamily="34" charset="-122"/>
-                <a:sym typeface="微软雅黑" panose="020B0503020204020204" pitchFamily="34" charset="-122"/>
-              </a:rPr>
-              <a:t>2. STL —— vector&lt;CEngine*&gt; m_engine_manage;</a:t>
-            </a:r>
-          </a:p>
-          <a:p>
-            <a:pPr>
-              <a:lnSpc>
-                <a:spcPct val="150000"/>
-              </a:lnSpc>
-            </a:pPr>
-            <a:r>
-              <a:rPr lang="en-US" altLang="zh-CN" sz="2000" dirty="0">
-                <a:solidFill>
-                  <a:srgbClr val="FFFFFF"/>
-                </a:solidFill>
-                <a:latin typeface="微软雅黑" panose="020B0503020204020204" pitchFamily="34" charset="-122"/>
-                <a:ea typeface="微软雅黑" panose="020B0503020204020204" pitchFamily="34" charset="-122"/>
-                <a:sym typeface="微软雅黑" panose="020B0503020204020204" pitchFamily="34" charset="-122"/>
-              </a:rPr>
-              <a:t>3. </a:t>
-            </a:r>
-            <a:r>
-              <a:rPr lang="zh-CN" altLang="en-US" sz="2000" dirty="0">
-                <a:solidFill>
-                  <a:srgbClr val="FFFFFF"/>
-                </a:solidFill>
-                <a:latin typeface="微软雅黑" panose="020B0503020204020204" pitchFamily="34" charset="-122"/>
-                <a:ea typeface="微软雅黑" panose="020B0503020204020204" pitchFamily="34" charset="-122"/>
-                <a:sym typeface="微软雅黑" panose="020B0503020204020204" pitchFamily="34" charset="-122"/>
-              </a:rPr>
-              <a:t>抽象类</a:t>
-            </a:r>
-          </a:p>
-          <a:p>
-            <a:pPr>
-              <a:lnSpc>
-                <a:spcPct val="150000"/>
-              </a:lnSpc>
-            </a:pPr>
-            <a:r>
-              <a:rPr lang="en-US" altLang="zh-CN" sz="2000" dirty="0">
-                <a:solidFill>
-                  <a:srgbClr val="FFFFFF"/>
-                </a:solidFill>
-                <a:latin typeface="微软雅黑" panose="020B0503020204020204" pitchFamily="34" charset="-122"/>
-                <a:ea typeface="微软雅黑" panose="020B0503020204020204" pitchFamily="34" charset="-122"/>
-                <a:sym typeface="微软雅黑" panose="020B0503020204020204" pitchFamily="34" charset="-122"/>
-              </a:rPr>
-              <a:t>4. </a:t>
-            </a:r>
-            <a:r>
-              <a:rPr lang="zh-CN" altLang="en-US" sz="2000" dirty="0">
-                <a:solidFill>
-                  <a:srgbClr val="FFFFFF"/>
-                </a:solidFill>
-                <a:latin typeface="微软雅黑" panose="020B0503020204020204" pitchFamily="34" charset="-122"/>
-                <a:ea typeface="微软雅黑" panose="020B0503020204020204" pitchFamily="34" charset="-122"/>
-                <a:sym typeface="微软雅黑" panose="020B0503020204020204" pitchFamily="34" charset="-122"/>
-              </a:rPr>
-              <a:t>虚析构</a:t>
-            </a:r>
-            <a:r>
-              <a:rPr lang="en-US" altLang="zh-CN" sz="2000" dirty="0">
-                <a:solidFill>
-                  <a:srgbClr val="FFFFFF"/>
-                </a:solidFill>
-                <a:latin typeface="微软雅黑" panose="020B0503020204020204" pitchFamily="34" charset="-122"/>
-                <a:ea typeface="微软雅黑" panose="020B0503020204020204" pitchFamily="34" charset="-122"/>
-                <a:sym typeface="微软雅黑" panose="020B0503020204020204" pitchFamily="34" charset="-122"/>
-              </a:rPr>
-              <a:t>——</a:t>
-            </a:r>
-            <a:r>
-              <a:rPr lang="zh-CN" altLang="en-US" sz="2000" dirty="0">
-                <a:solidFill>
-                  <a:srgbClr val="FFFFFF"/>
-                </a:solidFill>
-                <a:latin typeface="微软雅黑" panose="020B0503020204020204" pitchFamily="34" charset="-122"/>
-                <a:ea typeface="微软雅黑" panose="020B0503020204020204" pitchFamily="34" charset="-122"/>
-                <a:sym typeface="微软雅黑" panose="020B0503020204020204" pitchFamily="34" charset="-122"/>
-              </a:rPr>
-              <a:t>引申</a:t>
-            </a:r>
-            <a:r>
-              <a:rPr lang="en-US" altLang="zh-CN" sz="2000" dirty="0">
-                <a:solidFill>
-                  <a:srgbClr val="FFFFFF"/>
-                </a:solidFill>
-                <a:latin typeface="微软雅黑" panose="020B0503020204020204" pitchFamily="34" charset="-122"/>
-                <a:ea typeface="微软雅黑" panose="020B0503020204020204" pitchFamily="34" charset="-122"/>
-                <a:sym typeface="微软雅黑" panose="020B0503020204020204" pitchFamily="34" charset="-122"/>
-              </a:rPr>
-              <a:t>——</a:t>
-            </a:r>
-            <a:r>
-              <a:rPr lang="zh-CN" altLang="en-US" sz="2000" dirty="0">
-                <a:solidFill>
-                  <a:srgbClr val="FFFFFF"/>
-                </a:solidFill>
-                <a:latin typeface="微软雅黑" panose="020B0503020204020204" pitchFamily="34" charset="-122"/>
-                <a:ea typeface="微软雅黑" panose="020B0503020204020204" pitchFamily="34" charset="-122"/>
-                <a:sym typeface="微软雅黑" panose="020B0503020204020204" pitchFamily="34" charset="-122"/>
-              </a:rPr>
-              <a:t>浅拷贝和深拷贝；</a:t>
-            </a:r>
-          </a:p>
-          <a:p>
-            <a:pPr>
-              <a:lnSpc>
-                <a:spcPct val="150000"/>
-              </a:lnSpc>
-            </a:pPr>
-            <a:r>
-              <a:rPr lang="en-US" altLang="zh-CN" sz="2000" dirty="0">
-                <a:solidFill>
-                  <a:srgbClr val="FFFFFF"/>
-                </a:solidFill>
-                <a:latin typeface="微软雅黑" panose="020B0503020204020204" pitchFamily="34" charset="-122"/>
-                <a:ea typeface="微软雅黑" panose="020B0503020204020204" pitchFamily="34" charset="-122"/>
-                <a:sym typeface="微软雅黑" panose="020B0503020204020204" pitchFamily="34" charset="-122"/>
-              </a:rPr>
-              <a:t>5. </a:t>
-            </a:r>
-            <a:r>
-              <a:rPr lang="zh-CN" altLang="en-US" sz="2000" dirty="0">
-                <a:solidFill>
-                  <a:srgbClr val="FFFFFF"/>
-                </a:solidFill>
-                <a:latin typeface="微软雅黑" panose="020B0503020204020204" pitchFamily="34" charset="-122"/>
-                <a:ea typeface="微软雅黑" panose="020B0503020204020204" pitchFamily="34" charset="-122"/>
-                <a:sym typeface="微软雅黑" panose="020B0503020204020204" pitchFamily="34" charset="-122"/>
-              </a:rPr>
-              <a:t>虚函数表</a:t>
-            </a:r>
-            <a:r>
-              <a:rPr lang="en-US" altLang="zh-CN" sz="2000" dirty="0">
-                <a:solidFill>
-                  <a:srgbClr val="FFFFFF"/>
-                </a:solidFill>
-                <a:latin typeface="微软雅黑" panose="020B0503020204020204" pitchFamily="34" charset="-122"/>
-                <a:ea typeface="微软雅黑" panose="020B0503020204020204" pitchFamily="34" charset="-122"/>
-                <a:sym typeface="微软雅黑" panose="020B0503020204020204" pitchFamily="34" charset="-122"/>
-              </a:rPr>
-              <a:t>——</a:t>
-            </a:r>
-            <a:r>
-              <a:rPr lang="zh-CN" altLang="en-US" sz="2000" dirty="0">
-                <a:solidFill>
-                  <a:srgbClr val="FFFFFF"/>
-                </a:solidFill>
-                <a:latin typeface="微软雅黑" panose="020B0503020204020204" pitchFamily="34" charset="-122"/>
-                <a:ea typeface="微软雅黑" panose="020B0503020204020204" pitchFamily="34" charset="-122"/>
-                <a:sym typeface="微软雅黑" panose="020B0503020204020204" pitchFamily="34" charset="-122"/>
-              </a:rPr>
-              <a:t>在开始的位置；</a:t>
-            </a:r>
-            <a:r>
-              <a:rPr lang="en-US" altLang="zh-CN" sz="2000" dirty="0">
-                <a:solidFill>
-                  <a:srgbClr val="FFFFFF"/>
-                </a:solidFill>
-                <a:latin typeface="微软雅黑" panose="020B0503020204020204" pitchFamily="34" charset="-122"/>
-                <a:ea typeface="微软雅黑" panose="020B0503020204020204" pitchFamily="34" charset="-122"/>
-                <a:sym typeface="微软雅黑" panose="020B0503020204020204" pitchFamily="34" charset="-122"/>
-              </a:rPr>
-              <a:t>32-4——</a:t>
-            </a:r>
-            <a:r>
-              <a:rPr lang="zh-CN" altLang="en-US" sz="2000" dirty="0">
-                <a:solidFill>
-                  <a:srgbClr val="FFFFFF"/>
-                </a:solidFill>
-                <a:latin typeface="微软雅黑" panose="020B0503020204020204" pitchFamily="34" charset="-122"/>
-                <a:ea typeface="微软雅黑" panose="020B0503020204020204" pitchFamily="34" charset="-122"/>
-                <a:sym typeface="微软雅黑" panose="020B0503020204020204" pitchFamily="34" charset="-122"/>
-              </a:rPr>
-              <a:t>引申</a:t>
-            </a:r>
-            <a:r>
-              <a:rPr lang="en-US" altLang="zh-CN" sz="2000" dirty="0">
-                <a:solidFill>
-                  <a:srgbClr val="FFFFFF"/>
-                </a:solidFill>
-                <a:latin typeface="微软雅黑" panose="020B0503020204020204" pitchFamily="34" charset="-122"/>
-                <a:ea typeface="微软雅黑" panose="020B0503020204020204" pitchFamily="34" charset="-122"/>
-                <a:sym typeface="微软雅黑" panose="020B0503020204020204" pitchFamily="34" charset="-122"/>
-              </a:rPr>
-              <a:t>——</a:t>
-            </a:r>
-            <a:r>
-              <a:rPr lang="zh-CN" altLang="en-US" sz="2000" dirty="0">
-                <a:solidFill>
-                  <a:srgbClr val="FFFFFF"/>
-                </a:solidFill>
-                <a:latin typeface="微软雅黑" panose="020B0503020204020204" pitchFamily="34" charset="-122"/>
-                <a:ea typeface="微软雅黑" panose="020B0503020204020204" pitchFamily="34" charset="-122"/>
-                <a:sym typeface="微软雅黑" panose="020B0503020204020204" pitchFamily="34" charset="-122"/>
-              </a:rPr>
-              <a:t>虚基表</a:t>
-            </a:r>
-            <a:r>
-              <a:rPr lang="en-US" altLang="zh-CN" sz="2000" dirty="0">
-                <a:solidFill>
-                  <a:srgbClr val="FFFFFF"/>
-                </a:solidFill>
-                <a:latin typeface="微软雅黑" panose="020B0503020204020204" pitchFamily="34" charset="-122"/>
-                <a:ea typeface="微软雅黑" panose="020B0503020204020204" pitchFamily="34" charset="-122"/>
-                <a:sym typeface="微软雅黑" panose="020B0503020204020204" pitchFamily="34" charset="-122"/>
-              </a:rPr>
-              <a:t>——</a:t>
-            </a:r>
-            <a:r>
-              <a:rPr lang="zh-CN" altLang="en-US" sz="2000" dirty="0">
-                <a:solidFill>
-                  <a:srgbClr val="FFFFFF"/>
-                </a:solidFill>
-                <a:latin typeface="微软雅黑" panose="020B0503020204020204" pitchFamily="34" charset="-122"/>
-                <a:ea typeface="微软雅黑" panose="020B0503020204020204" pitchFamily="34" charset="-122"/>
-                <a:sym typeface="微软雅黑" panose="020B0503020204020204" pitchFamily="34" charset="-122"/>
-              </a:rPr>
-              <a:t>引申</a:t>
-            </a:r>
-            <a:r>
-              <a:rPr lang="en-US" altLang="zh-CN" sz="2000" dirty="0">
-                <a:solidFill>
-                  <a:srgbClr val="FFFFFF"/>
-                </a:solidFill>
-                <a:latin typeface="微软雅黑" panose="020B0503020204020204" pitchFamily="34" charset="-122"/>
-                <a:ea typeface="微软雅黑" panose="020B0503020204020204" pitchFamily="34" charset="-122"/>
-                <a:sym typeface="微软雅黑" panose="020B0503020204020204" pitchFamily="34" charset="-122"/>
-              </a:rPr>
-              <a:t>——</a:t>
-            </a:r>
-            <a:r>
-              <a:rPr lang="zh-CN" altLang="en-US" sz="2000" dirty="0">
-                <a:solidFill>
-                  <a:srgbClr val="FFFFFF"/>
-                </a:solidFill>
-                <a:latin typeface="微软雅黑" panose="020B0503020204020204" pitchFamily="34" charset="-122"/>
-                <a:ea typeface="微软雅黑" panose="020B0503020204020204" pitchFamily="34" charset="-122"/>
-                <a:sym typeface="微软雅黑" panose="020B0503020204020204" pitchFamily="34" charset="-122"/>
-              </a:rPr>
-              <a:t>菱形继承二义性；</a:t>
-            </a:r>
-          </a:p>
-          <a:p>
-            <a:pPr>
-              <a:lnSpc>
-                <a:spcPct val="150000"/>
-              </a:lnSpc>
-            </a:pPr>
-            <a:r>
-              <a:rPr lang="en-US" altLang="zh-CN" sz="2000" dirty="0">
-                <a:solidFill>
-                  <a:srgbClr val="FFFFFF"/>
-                </a:solidFill>
-                <a:latin typeface="微软雅黑" panose="020B0503020204020204" pitchFamily="34" charset="-122"/>
-                <a:ea typeface="微软雅黑" panose="020B0503020204020204" pitchFamily="34" charset="-122"/>
-                <a:sym typeface="微软雅黑" panose="020B0503020204020204" pitchFamily="34" charset="-122"/>
-              </a:rPr>
-              <a:t>6. </a:t>
-            </a:r>
-            <a:r>
-              <a:rPr lang="zh-CN" altLang="en-US" sz="2000" dirty="0">
-                <a:solidFill>
-                  <a:srgbClr val="FFFFFF"/>
-                </a:solidFill>
-                <a:latin typeface="微软雅黑" panose="020B0503020204020204" pitchFamily="34" charset="-122"/>
-                <a:ea typeface="微软雅黑" panose="020B0503020204020204" pitchFamily="34" charset="-122"/>
-                <a:sym typeface="微软雅黑" panose="020B0503020204020204" pitchFamily="34" charset="-122"/>
-              </a:rPr>
-              <a:t>重载、虚函数重写、继承</a:t>
-            </a:r>
-            <a:r>
-              <a:rPr lang="en-US" altLang="zh-CN" sz="2000" dirty="0">
-                <a:solidFill>
-                  <a:srgbClr val="FFFFFF"/>
-                </a:solidFill>
-                <a:latin typeface="微软雅黑" panose="020B0503020204020204" pitchFamily="34" charset="-122"/>
-                <a:ea typeface="微软雅黑" panose="020B0503020204020204" pitchFamily="34" charset="-122"/>
-                <a:sym typeface="微软雅黑" panose="020B0503020204020204" pitchFamily="34" charset="-122"/>
-              </a:rPr>
-              <a:t>——</a:t>
-            </a:r>
-            <a:r>
-              <a:rPr lang="zh-CN" altLang="en-US" sz="2000" dirty="0">
-                <a:solidFill>
-                  <a:srgbClr val="FFFFFF"/>
-                </a:solidFill>
-                <a:latin typeface="微软雅黑" panose="020B0503020204020204" pitchFamily="34" charset="-122"/>
-                <a:ea typeface="微软雅黑" panose="020B0503020204020204" pitchFamily="34" charset="-122"/>
-                <a:sym typeface="微软雅黑" panose="020B0503020204020204" pitchFamily="34" charset="-122"/>
-              </a:rPr>
-              <a:t>多态；</a:t>
-            </a:r>
-          </a:p>
-          <a:p>
-            <a:pPr>
-              <a:lnSpc>
-                <a:spcPct val="150000"/>
-              </a:lnSpc>
-            </a:pPr>
-            <a:r>
-              <a:rPr lang="en-US" altLang="zh-CN" sz="2000" dirty="0">
-                <a:solidFill>
-                  <a:srgbClr val="FFFFFF"/>
-                </a:solidFill>
-                <a:latin typeface="微软雅黑" panose="020B0503020204020204" pitchFamily="34" charset="-122"/>
-                <a:ea typeface="微软雅黑" panose="020B0503020204020204" pitchFamily="34" charset="-122"/>
-                <a:sym typeface="微软雅黑" panose="020B0503020204020204" pitchFamily="34" charset="-122"/>
-              </a:rPr>
-              <a:t>7. </a:t>
-            </a:r>
-            <a:r>
-              <a:rPr lang="zh-CN" altLang="en-US" sz="2000" dirty="0">
-                <a:solidFill>
-                  <a:srgbClr val="FFFFFF"/>
-                </a:solidFill>
-                <a:latin typeface="微软雅黑" panose="020B0503020204020204" pitchFamily="34" charset="-122"/>
-                <a:ea typeface="微软雅黑" panose="020B0503020204020204" pitchFamily="34" charset="-122"/>
-                <a:sym typeface="微软雅黑" panose="020B0503020204020204" pitchFamily="34" charset="-122"/>
-              </a:rPr>
-              <a:t>初始化列表</a:t>
-            </a:r>
-            <a:r>
-              <a:rPr lang="en-US" altLang="zh-CN" sz="2000" dirty="0">
-                <a:solidFill>
-                  <a:srgbClr val="FFFFFF"/>
-                </a:solidFill>
-                <a:latin typeface="微软雅黑" panose="020B0503020204020204" pitchFamily="34" charset="-122"/>
-                <a:ea typeface="微软雅黑" panose="020B0503020204020204" pitchFamily="34" charset="-122"/>
-                <a:sym typeface="微软雅黑" panose="020B0503020204020204" pitchFamily="34" charset="-122"/>
-              </a:rPr>
-              <a:t>——</a:t>
-            </a:r>
-            <a:r>
-              <a:rPr lang="zh-CN" altLang="en-US" sz="2000" dirty="0">
-                <a:solidFill>
-                  <a:srgbClr val="FFFFFF"/>
-                </a:solidFill>
-                <a:latin typeface="微软雅黑" panose="020B0503020204020204" pitchFamily="34" charset="-122"/>
-                <a:ea typeface="微软雅黑" panose="020B0503020204020204" pitchFamily="34" charset="-122"/>
-                <a:sym typeface="微软雅黑" panose="020B0503020204020204" pitchFamily="34" charset="-122"/>
-              </a:rPr>
-              <a:t>引申</a:t>
-            </a:r>
-            <a:r>
-              <a:rPr lang="en-US" altLang="zh-CN" sz="2000" dirty="0">
-                <a:solidFill>
-                  <a:srgbClr val="FFFFFF"/>
-                </a:solidFill>
-                <a:latin typeface="微软雅黑" panose="020B0503020204020204" pitchFamily="34" charset="-122"/>
-                <a:ea typeface="微软雅黑" panose="020B0503020204020204" pitchFamily="34" charset="-122"/>
-                <a:sym typeface="微软雅黑" panose="020B0503020204020204" pitchFamily="34" charset="-122"/>
-              </a:rPr>
-              <a:t>——</a:t>
-            </a:r>
-            <a:r>
-              <a:rPr lang="zh-CN" altLang="en-US" sz="2000" dirty="0">
-                <a:solidFill>
-                  <a:srgbClr val="FFFFFF"/>
-                </a:solidFill>
-                <a:latin typeface="微软雅黑" panose="020B0503020204020204" pitchFamily="34" charset="-122"/>
-                <a:ea typeface="微软雅黑" panose="020B0503020204020204" pitchFamily="34" charset="-122"/>
-                <a:sym typeface="微软雅黑" panose="020B0503020204020204" pitchFamily="34" charset="-122"/>
-              </a:rPr>
-              <a:t>内存分布顺序；</a:t>
-            </a:r>
-          </a:p>
-          <a:p>
-            <a:pPr>
-              <a:lnSpc>
-                <a:spcPct val="150000"/>
-              </a:lnSpc>
-            </a:pPr>
-            <a:r>
-              <a:rPr lang="en-US" altLang="zh-CN" sz="2000" dirty="0">
-                <a:solidFill>
-                  <a:srgbClr val="FFFFFF"/>
-                </a:solidFill>
-                <a:latin typeface="微软雅黑" panose="020B0503020204020204" pitchFamily="34" charset="-122"/>
-                <a:ea typeface="微软雅黑" panose="020B0503020204020204" pitchFamily="34" charset="-122"/>
-                <a:sym typeface="微软雅黑" panose="020B0503020204020204" pitchFamily="34" charset="-122"/>
-              </a:rPr>
-              <a:t>8. new/delete free/malloc/realloc</a:t>
-            </a:r>
-          </a:p>
-          <a:p>
-            <a:pPr>
-              <a:lnSpc>
-                <a:spcPct val="150000"/>
-              </a:lnSpc>
-            </a:pPr>
-            <a:endParaRPr lang="en-US" altLang="zh-CN" sz="2000" dirty="0">
-              <a:solidFill>
-                <a:srgbClr val="FFFFFF"/>
-              </a:solidFill>
-              <a:latin typeface="微软雅黑" panose="020B0503020204020204" pitchFamily="34" charset="-122"/>
-              <a:ea typeface="微软雅黑" panose="020B0503020204020204" pitchFamily="34" charset="-122"/>
-              <a:sym typeface="微软雅黑" panose="020B0503020204020204" pitchFamily="34" charset="-122"/>
-            </a:endParaRPr>
-          </a:p>
-          <a:p>
-            <a:pPr>
-              <a:lnSpc>
-                <a:spcPct val="150000"/>
-              </a:lnSpc>
-            </a:pPr>
-            <a:r>
-              <a:rPr lang="zh-CN" altLang="en-US" sz="2000" dirty="0">
-                <a:solidFill>
-                  <a:srgbClr val="FFFFFF"/>
-                </a:solidFill>
-                <a:latin typeface="微软雅黑" panose="020B0503020204020204" pitchFamily="34" charset="-122"/>
-                <a:ea typeface="微软雅黑" panose="020B0503020204020204" pitchFamily="34" charset="-122"/>
-                <a:sym typeface="微软雅黑" panose="020B0503020204020204" pitchFamily="34" charset="-122"/>
-              </a:rPr>
-              <a:t>使用了，这些东西，某种意义上讲，也算是一个复习和巩固，</a:t>
-            </a:r>
-            <a:r>
-              <a:rPr lang="en-US" altLang="zh-CN" sz="2000" dirty="0">
-                <a:solidFill>
-                  <a:srgbClr val="FFFFFF"/>
-                </a:solidFill>
-                <a:latin typeface="微软雅黑" panose="020B0503020204020204" pitchFamily="34" charset="-122"/>
-                <a:ea typeface="微软雅黑" panose="020B0503020204020204" pitchFamily="34" charset="-122"/>
-                <a:sym typeface="微软雅黑" panose="020B0503020204020204" pitchFamily="34" charset="-122"/>
-              </a:rPr>
-              <a:t>C++</a:t>
-            </a:r>
-            <a:r>
-              <a:rPr lang="zh-CN" altLang="en-US" sz="2000" dirty="0">
-                <a:solidFill>
-                  <a:srgbClr val="FFFFFF"/>
-                </a:solidFill>
-                <a:latin typeface="微软雅黑" panose="020B0503020204020204" pitchFamily="34" charset="-122"/>
-                <a:ea typeface="微软雅黑" panose="020B0503020204020204" pitchFamily="34" charset="-122"/>
-                <a:sym typeface="微软雅黑" panose="020B0503020204020204" pitchFamily="34" charset="-122"/>
-              </a:rPr>
-              <a:t>能力，比之前有进步了；</a:t>
-            </a:r>
-          </a:p>
-        </p:txBody>
-      </p:sp>
-      <p:sp>
-        <p:nvSpPr>
-          <p:cNvPr id="4111" name="椭圆 18"/>
-          <p:cNvSpPr>
-            <a:spLocks noChangeArrowheads="1"/>
-          </p:cNvSpPr>
-          <p:nvPr/>
-        </p:nvSpPr>
-        <p:spPr bwMode="auto">
-          <a:xfrm>
-            <a:off x="497632" y="366713"/>
-            <a:ext cx="6336704" cy="1379537"/>
-          </a:xfrm>
-          <a:prstGeom prst="ellipse">
-            <a:avLst/>
-          </a:prstGeom>
-          <a:noFill/>
-          <a:ln>
-            <a:noFill/>
-          </a:ln>
-          <a:extLst>
-            <a:ext uri="{909E8E84-426E-40DD-AFC4-6F175D3DCCD1}">
-              <a14:hiddenFill xmlns:a14="http://schemas.microsoft.com/office/drawing/2010/main">
-                <a:solidFill>
-                  <a:srgbClr val="FFFFFF"/>
-                </a:solidFill>
-              </a14:hiddenFill>
-            </a:ext>
-            <a:ext uri="{91240B29-F687-4F45-9708-019B960494DF}">
-              <a14:hiddenLine xmlns:a14="http://schemas.microsoft.com/office/drawing/2010/main" w="9525">
-                <a:solidFill>
-                  <a:srgbClr val="000000"/>
-                </a:solidFill>
-                <a:round/>
-                <a:headEnd/>
-                <a:tailEnd/>
-              </a14:hiddenLine>
-            </a:ext>
-          </a:extLst>
-        </p:spPr>
-        <p:txBody>
-          <a:bodyPr anchor="ctr"/>
-          <a:lstStyle/>
-          <a:p>
-            <a:r>
-              <a:rPr lang="zh-CN" altLang="en-US" sz="3600" b="1" dirty="0">
-                <a:solidFill>
-                  <a:srgbClr val="E94D1A"/>
-                </a:solidFill>
-                <a:latin typeface="微软雅黑" panose="020B0503020204020204" pitchFamily="34" charset="-122"/>
-                <a:ea typeface="微软雅黑" panose="020B0503020204020204" pitchFamily="34" charset="-122"/>
-                <a:sym typeface="微软雅黑" panose="020B0503020204020204" pitchFamily="34" charset="-122"/>
-              </a:rPr>
-              <a:t>心得与总结</a:t>
-            </a:r>
-          </a:p>
-        </p:txBody>
-      </p:sp>
-    </p:spTree>
-    <p:extLst>
-      <p:ext uri="{BB962C8B-B14F-4D97-AF65-F5344CB8AC3E}">
-        <p14:creationId xmlns:p14="http://schemas.microsoft.com/office/powerpoint/2010/main" val="1542486180"/>
-      </p:ext>
-    </p:extLst>
-  </p:cSld>
-  <p:clrMapOvr>
-    <a:masterClrMapping/>
-  </p:clrMapOvr>
-  <p:transition>
-    <p:wipe dir="d"/>
-  </p:transition>
-  <p:timing>
-    <p:tnLst>
-      <p:par>
-        <p:cTn id="1" dur="indefinite" restart="never" nodeType="tmRoot"/>
-      </p:par>
-    </p:tnLst>
-  </p:timing>
-</p:sld>
-</file>
-
-<file path=ppt/slides/slide11.xml><?xml version="1.0" encoding="utf-8"?>
 <p:sld xmlns:a="http://schemas.openxmlformats.org/drawingml/2006/main" xmlns:r="http://schemas.openxmlformats.org/officeDocument/2006/relationships" xmlns:p="http://schemas.openxmlformats.org/presentationml/2006/main">
   <p:cSld>
     <p:spTree>
@@ -7011,10 +6444,17 @@
               <a:t>操作介绍：</a:t>
             </a:r>
             <a:r>
-              <a:rPr lang="en-US" altLang="zh-CN" sz="2000" b="1" u="sng" dirty="0">
-                <a:solidFill>
-                  <a:schemeClr val="bg1"/>
-                </a:solidFill>
+              <a:rPr lang="en-US" altLang="zh-CN" sz="2000" dirty="0">
+                <a:solidFill>
+                  <a:srgbClr val="FFFFFF"/>
+                </a:solidFill>
+                <a:effectLst>
+                  <a:glow rad="228600">
+                    <a:schemeClr val="bg1">
+                      <a:alpha val="40000"/>
+                    </a:schemeClr>
+                  </a:glow>
+                </a:effectLst>
                 <a:latin typeface="微软雅黑" panose="020B0503020204020204" pitchFamily="34" charset="-122"/>
                 <a:ea typeface="微软雅黑" panose="020B0503020204020204" pitchFamily="34" charset="-122"/>
                 <a:sym typeface="微软雅黑" panose="020B0503020204020204" pitchFamily="34" charset="-122"/>
@@ -7033,10 +6473,17 @@
               <a:t>、</a:t>
             </a:r>
             <a:r>
-              <a:rPr lang="en-US" altLang="zh-CN" sz="2000" b="1" u="sng" dirty="0">
-                <a:solidFill>
-                  <a:schemeClr val="bg1"/>
-                </a:solidFill>
+              <a:rPr lang="en-US" altLang="zh-CN" sz="2000" dirty="0">
+                <a:solidFill>
+                  <a:srgbClr val="FFFFFF"/>
+                </a:solidFill>
+                <a:effectLst>
+                  <a:glow rad="228600">
+                    <a:schemeClr val="bg1">
+                      <a:alpha val="40000"/>
+                    </a:schemeClr>
+                  </a:glow>
+                </a:effectLst>
                 <a:latin typeface="微软雅黑" panose="020B0503020204020204" pitchFamily="34" charset="-122"/>
                 <a:ea typeface="微软雅黑" panose="020B0503020204020204" pitchFamily="34" charset="-122"/>
                 <a:sym typeface="微软雅黑" panose="020B0503020204020204" pitchFamily="34" charset="-122"/>
@@ -7055,10 +6502,17 @@
               <a:t>、</a:t>
             </a:r>
             <a:r>
-              <a:rPr lang="en-US" altLang="zh-CN" sz="2000" b="1" u="sng" dirty="0">
-                <a:solidFill>
-                  <a:schemeClr val="bg1"/>
-                </a:solidFill>
+              <a:rPr lang="en-US" altLang="zh-CN" sz="2000" dirty="0">
+                <a:solidFill>
+                  <a:srgbClr val="FFFFFF"/>
+                </a:solidFill>
+                <a:effectLst>
+                  <a:glow rad="228600">
+                    <a:schemeClr val="bg1">
+                      <a:alpha val="40000"/>
+                    </a:schemeClr>
+                  </a:glow>
+                </a:effectLst>
                 <a:latin typeface="微软雅黑" panose="020B0503020204020204" pitchFamily="34" charset="-122"/>
                 <a:ea typeface="微软雅黑" panose="020B0503020204020204" pitchFamily="34" charset="-122"/>
                 <a:sym typeface="微软雅黑" panose="020B0503020204020204" pitchFamily="34" charset="-122"/>
@@ -7110,10 +6564,17 @@
               <a:t>、</a:t>
             </a:r>
             <a:r>
-              <a:rPr lang="en-US" altLang="zh-CN" sz="2000" b="1" u="sng" dirty="0">
-                <a:solidFill>
-                  <a:schemeClr val="bg1"/>
-                </a:solidFill>
+              <a:rPr lang="en-US" altLang="zh-CN" sz="2000" dirty="0">
+                <a:solidFill>
+                  <a:srgbClr val="FFFFFF"/>
+                </a:solidFill>
+                <a:effectLst>
+                  <a:glow rad="228600">
+                    <a:schemeClr val="bg1">
+                      <a:alpha val="40000"/>
+                    </a:schemeClr>
+                  </a:glow>
+                </a:effectLst>
                 <a:latin typeface="微软雅黑" panose="020B0503020204020204" pitchFamily="34" charset="-122"/>
                 <a:ea typeface="微软雅黑" panose="020B0503020204020204" pitchFamily="34" charset="-122"/>
                 <a:sym typeface="微软雅黑" panose="020B0503020204020204" pitchFamily="34" charset="-122"/>
@@ -7165,10 +6626,17 @@
               <a:t>、</a:t>
             </a:r>
             <a:r>
-              <a:rPr lang="en-US" altLang="zh-CN" sz="2000" b="1" u="sng" dirty="0">
-                <a:solidFill>
-                  <a:schemeClr val="bg1"/>
-                </a:solidFill>
+              <a:rPr lang="en-US" altLang="zh-CN" sz="2000" dirty="0">
+                <a:solidFill>
+                  <a:srgbClr val="FFFFFF"/>
+                </a:solidFill>
+                <a:effectLst>
+                  <a:glow rad="228600">
+                    <a:schemeClr val="bg1">
+                      <a:alpha val="40000"/>
+                    </a:schemeClr>
+                  </a:glow>
+                </a:effectLst>
                 <a:latin typeface="微软雅黑" panose="020B0503020204020204" pitchFamily="34" charset="-122"/>
                 <a:ea typeface="微软雅黑" panose="020B0503020204020204" pitchFamily="34" charset="-122"/>
                 <a:sym typeface="微软雅黑" panose="020B0503020204020204" pitchFamily="34" charset="-122"/>
@@ -7268,10 +6736,17 @@
               <a:t>克可自由移动，按</a:t>
             </a:r>
             <a:r>
-              <a:rPr lang="en-US" altLang="zh-CN" sz="2000" b="1" u="sng" dirty="0">
-                <a:solidFill>
-                  <a:schemeClr val="bg1"/>
-                </a:solidFill>
+              <a:rPr lang="en-US" altLang="zh-CN" sz="2000" dirty="0">
+                <a:solidFill>
+                  <a:srgbClr val="FFFFFF"/>
+                </a:solidFill>
+                <a:effectLst>
+                  <a:glow rad="228600">
+                    <a:schemeClr val="bg1">
+                      <a:alpha val="40000"/>
+                    </a:schemeClr>
+                  </a:glow>
+                </a:effectLst>
                 <a:latin typeface="微软雅黑" panose="020B0503020204020204" pitchFamily="34" charset="-122"/>
                 <a:ea typeface="微软雅黑" panose="020B0503020204020204" pitchFamily="34" charset="-122"/>
                 <a:sym typeface="微软雅黑" panose="020B0503020204020204" pitchFamily="34" charset="-122"/>
@@ -7290,10 +6765,17 @@
               <a:t>键发射炮弹，</a:t>
             </a:r>
             <a:r>
-              <a:rPr lang="en-US" altLang="zh-CN" sz="2000" b="1" u="sng" dirty="0">
-                <a:solidFill>
-                  <a:schemeClr val="bg1"/>
-                </a:solidFill>
+              <a:rPr lang="en-US" altLang="zh-CN" sz="2000" dirty="0">
+                <a:solidFill>
+                  <a:srgbClr val="FFFFFF"/>
+                </a:solidFill>
+                <a:effectLst>
+                  <a:glow rad="228600">
+                    <a:schemeClr val="bg1">
+                      <a:alpha val="40000"/>
+                    </a:schemeClr>
+                  </a:glow>
+                </a:effectLst>
                 <a:latin typeface="微软雅黑" panose="020B0503020204020204" pitchFamily="34" charset="-122"/>
                 <a:ea typeface="微软雅黑" panose="020B0503020204020204" pitchFamily="34" charset="-122"/>
                 <a:sym typeface="微软雅黑" panose="020B0503020204020204" pitchFamily="34" charset="-122"/>
@@ -7393,51 +6875,7 @@
               <a:t>杀死一个敌方坦克，加</a:t>
             </a:r>
             <a:r>
-              <a:rPr lang="en-US" altLang="zh-CN" sz="2000" b="1" u="sng" dirty="0">
-                <a:solidFill>
-                  <a:schemeClr val="bg1"/>
-                </a:solidFill>
-                <a:latin typeface="微软雅黑" panose="020B0503020204020204" pitchFamily="34" charset="-122"/>
-                <a:ea typeface="微软雅黑" panose="020B0503020204020204" pitchFamily="34" charset="-122"/>
-                <a:sym typeface="微软雅黑" panose="020B0503020204020204" pitchFamily="34" charset="-122"/>
-              </a:rPr>
-              <a:t>10</a:t>
-            </a:r>
-            <a:r>
-              <a:rPr lang="zh-CN" altLang="en-US" sz="2000" dirty="0" smtClean="0">
-                <a:solidFill>
-                  <a:srgbClr val="FFFFFF"/>
-                </a:solidFill>
-                <a:latin typeface="微软雅黑" panose="020B0503020204020204" pitchFamily="34" charset="-122"/>
-                <a:ea typeface="微软雅黑" panose="020B0503020204020204" pitchFamily="34" charset="-122"/>
-                <a:sym typeface="微软雅黑" panose="020B0503020204020204" pitchFamily="34" charset="-122"/>
-              </a:rPr>
-              <a:t>分，满</a:t>
-            </a:r>
-            <a:r>
-              <a:rPr lang="en-US" altLang="zh-CN" sz="2000" b="1" u="sng" dirty="0" smtClean="0">
-                <a:solidFill>
-                  <a:schemeClr val="bg1"/>
-                </a:solidFill>
-                <a:latin typeface="微软雅黑" panose="020B0503020204020204" pitchFamily="34" charset="-122"/>
-                <a:ea typeface="微软雅黑" panose="020B0503020204020204" pitchFamily="34" charset="-122"/>
-                <a:sym typeface="微软雅黑" panose="020B0503020204020204" pitchFamily="34" charset="-122"/>
-              </a:rPr>
-              <a:t>100</a:t>
-            </a:r>
-            <a:r>
-              <a:rPr lang="zh-CN" altLang="en-US" sz="2000" dirty="0" smtClean="0">
-                <a:solidFill>
-                  <a:srgbClr val="FFFFFF"/>
-                </a:solidFill>
-                <a:latin typeface="微软雅黑" panose="020B0503020204020204" pitchFamily="34" charset="-122"/>
-                <a:ea typeface="微软雅黑" panose="020B0503020204020204" pitchFamily="34" charset="-122"/>
-                <a:sym typeface="微软雅黑" panose="020B0503020204020204" pitchFamily="34" charset="-122"/>
-              </a:rPr>
-              <a:t>时</a:t>
-            </a:r>
-            <a:r>
-              <a:rPr lang="zh-CN" altLang="en-US" sz="2000" dirty="0" smtClean="0">
+              <a:rPr lang="en-US" altLang="zh-CN" sz="2000" dirty="0">
                 <a:solidFill>
                   <a:srgbClr val="FFFFFF"/>
                 </a:solidFill>
@@ -7452,6 +6890,64 @@
                 <a:ea typeface="微软雅黑" panose="020B0503020204020204" pitchFamily="34" charset="-122"/>
                 <a:sym typeface="微软雅黑" panose="020B0503020204020204" pitchFamily="34" charset="-122"/>
               </a:rPr>
+              <a:t>10</a:t>
+            </a:r>
+            <a:r>
+              <a:rPr lang="zh-CN" altLang="en-US" sz="2000" dirty="0" smtClean="0">
+                <a:solidFill>
+                  <a:srgbClr val="FFFFFF"/>
+                </a:solidFill>
+                <a:latin typeface="微软雅黑" panose="020B0503020204020204" pitchFamily="34" charset="-122"/>
+                <a:ea typeface="微软雅黑" panose="020B0503020204020204" pitchFamily="34" charset="-122"/>
+                <a:sym typeface="微软雅黑" panose="020B0503020204020204" pitchFamily="34" charset="-122"/>
+              </a:rPr>
+              <a:t>分，满</a:t>
+            </a:r>
+            <a:r>
+              <a:rPr lang="en-US" altLang="zh-CN" sz="2000" dirty="0">
+                <a:solidFill>
+                  <a:srgbClr val="FFFFFF"/>
+                </a:solidFill>
+                <a:effectLst>
+                  <a:glow rad="228600">
+                    <a:schemeClr val="bg1">
+                      <a:alpha val="40000"/>
+                    </a:schemeClr>
+                  </a:glow>
+                </a:effectLst>
+                <a:latin typeface="微软雅黑" panose="020B0503020204020204" pitchFamily="34" charset="-122"/>
+                <a:ea typeface="微软雅黑" panose="020B0503020204020204" pitchFamily="34" charset="-122"/>
+                <a:sym typeface="微软雅黑" panose="020B0503020204020204" pitchFamily="34" charset="-122"/>
+              </a:rPr>
+              <a:t>100</a:t>
+            </a:r>
+            <a:r>
+              <a:rPr lang="zh-CN" altLang="en-US" sz="2000" dirty="0" smtClean="0">
+                <a:solidFill>
+                  <a:srgbClr val="FFFFFF"/>
+                </a:solidFill>
+                <a:latin typeface="微软雅黑" panose="020B0503020204020204" pitchFamily="34" charset="-122"/>
+                <a:ea typeface="微软雅黑" panose="020B0503020204020204" pitchFamily="34" charset="-122"/>
+                <a:sym typeface="微软雅黑" panose="020B0503020204020204" pitchFamily="34" charset="-122"/>
+              </a:rPr>
+              <a:t>时</a:t>
+            </a:r>
+            <a:r>
+              <a:rPr lang="zh-CN" altLang="en-US" sz="2000" dirty="0" smtClean="0">
+                <a:solidFill>
+                  <a:srgbClr val="FFFFFF"/>
+                </a:solidFill>
+                <a:effectLst>
+                  <a:glow rad="228600">
+                    <a:schemeClr val="bg1">
+                      <a:alpha val="40000"/>
+                    </a:schemeClr>
+                  </a:glow>
+                </a:effectLst>
+                <a:latin typeface="微软雅黑" panose="020B0503020204020204" pitchFamily="34" charset="-122"/>
+                <a:ea typeface="微软雅黑" panose="020B0503020204020204" pitchFamily="34" charset="-122"/>
+                <a:sym typeface="微软雅黑" panose="020B0503020204020204" pitchFamily="34" charset="-122"/>
+              </a:rPr>
               <a:t>下一关</a:t>
             </a:r>
             <a:r>
@@ -7492,13 +6988,20 @@
                 <a:ea typeface="微软雅黑" panose="020B0503020204020204" pitchFamily="34" charset="-122"/>
                 <a:sym typeface="微软雅黑" panose="020B0503020204020204" pitchFamily="34" charset="-122"/>
               </a:rPr>
-              <a:t>最初血量为</a:t>
-            </a:r>
-            <a:r>
-              <a:rPr lang="en-US" altLang="zh-CN" sz="2000" b="1" u="sng" dirty="0" smtClean="0">
-                <a:solidFill>
-                  <a:schemeClr val="bg1"/>
-                </a:solidFill>
+              <a:t>玩家血量为</a:t>
+            </a:r>
+            <a:r>
+              <a:rPr lang="en-US" altLang="zh-CN" sz="2000" dirty="0">
+                <a:solidFill>
+                  <a:srgbClr val="FFFFFF"/>
+                </a:solidFill>
+                <a:effectLst>
+                  <a:glow rad="228600">
+                    <a:schemeClr val="bg1">
+                      <a:alpha val="40000"/>
+                    </a:schemeClr>
+                  </a:glow>
+                </a:effectLst>
                 <a:latin typeface="微软雅黑" panose="020B0503020204020204" pitchFamily="34" charset="-122"/>
                 <a:ea typeface="微软雅黑" panose="020B0503020204020204" pitchFamily="34" charset="-122"/>
                 <a:sym typeface="微软雅黑" panose="020B0503020204020204" pitchFamily="34" charset="-122"/>
@@ -7517,10 +7020,17 @@
               <a:t>，为</a:t>
             </a:r>
             <a:r>
-              <a:rPr lang="en-US" altLang="zh-CN" sz="2000" b="1" u="sng" dirty="0" smtClean="0">
-                <a:solidFill>
-                  <a:schemeClr val="bg1"/>
-                </a:solidFill>
+              <a:rPr lang="en-US" altLang="zh-CN" sz="2000" dirty="0">
+                <a:solidFill>
+                  <a:srgbClr val="FFFFFF"/>
+                </a:solidFill>
+                <a:effectLst>
+                  <a:glow rad="228600">
+                    <a:schemeClr val="bg1">
+                      <a:alpha val="40000"/>
+                    </a:schemeClr>
+                  </a:glow>
+                </a:effectLst>
                 <a:latin typeface="微软雅黑" panose="020B0503020204020204" pitchFamily="34" charset="-122"/>
                 <a:ea typeface="微软雅黑" panose="020B0503020204020204" pitchFamily="34" charset="-122"/>
                 <a:sym typeface="微软雅黑" panose="020B0503020204020204" pitchFamily="34" charset="-122"/>
@@ -7539,10 +7049,17 @@
               <a:t>时游戏结束。敌方坦克</a:t>
             </a:r>
             <a:r>
-              <a:rPr lang="zh-CN" altLang="en-US" sz="2000" b="1" u="sng" dirty="0" smtClean="0">
-                <a:solidFill>
-                  <a:schemeClr val="bg1"/>
-                </a:solidFill>
+              <a:rPr lang="zh-CN" altLang="en-US" sz="2000" dirty="0">
+                <a:solidFill>
+                  <a:srgbClr val="FFFFFF"/>
+                </a:solidFill>
+                <a:effectLst>
+                  <a:glow rad="228600">
+                    <a:schemeClr val="bg1">
+                      <a:alpha val="40000"/>
+                    </a:schemeClr>
+                  </a:glow>
+                </a:effectLst>
                 <a:latin typeface="微软雅黑" panose="020B0503020204020204" pitchFamily="34" charset="-122"/>
                 <a:ea typeface="微软雅黑" panose="020B0503020204020204" pitchFamily="34" charset="-122"/>
                 <a:sym typeface="微软雅黑" panose="020B0503020204020204" pitchFamily="34" charset="-122"/>
@@ -7941,10 +7458,17 @@
               <a:t>游戏暂停：按</a:t>
             </a:r>
             <a:r>
-              <a:rPr lang="en-US" altLang="zh-CN" sz="2000" b="1" u="sng" dirty="0">
-                <a:solidFill>
-                  <a:schemeClr val="bg1"/>
-                </a:solidFill>
+              <a:rPr lang="en-US" altLang="zh-CN" sz="2000" dirty="0">
+                <a:solidFill>
+                  <a:srgbClr val="FFFFFF"/>
+                </a:solidFill>
+                <a:effectLst>
+                  <a:glow rad="228600">
+                    <a:schemeClr val="bg1">
+                      <a:alpha val="40000"/>
+                    </a:schemeClr>
+                  </a:glow>
+                </a:effectLst>
                 <a:latin typeface="微软雅黑" panose="020B0503020204020204" pitchFamily="34" charset="-122"/>
                 <a:ea typeface="微软雅黑" panose="020B0503020204020204" pitchFamily="34" charset="-122"/>
                 <a:sym typeface="微软雅黑" panose="020B0503020204020204" pitchFamily="34" charset="-122"/>
@@ -7963,10 +7487,17 @@
               <a:t>暂停时可</a:t>
             </a:r>
             <a:r>
-              <a:rPr lang="zh-CN" altLang="en-US" sz="2000" b="1" u="sng" dirty="0">
-                <a:solidFill>
-                  <a:schemeClr val="bg1"/>
-                </a:solidFill>
+              <a:rPr lang="zh-CN" altLang="en-US" sz="2000" dirty="0">
+                <a:solidFill>
+                  <a:srgbClr val="FFFFFF"/>
+                </a:solidFill>
+                <a:effectLst>
+                  <a:glow rad="228600">
+                    <a:schemeClr val="bg1">
+                      <a:alpha val="40000"/>
+                    </a:schemeClr>
+                  </a:glow>
+                </a:effectLst>
                 <a:latin typeface="微软雅黑" panose="020B0503020204020204" pitchFamily="34" charset="-122"/>
                 <a:ea typeface="微软雅黑" panose="020B0503020204020204" pitchFamily="34" charset="-122"/>
                 <a:sym typeface="微软雅黑" panose="020B0503020204020204" pitchFamily="34" charset="-122"/>
@@ -7985,10 +7516,17 @@
               <a:t>游戏，主界面可</a:t>
             </a:r>
             <a:r>
-              <a:rPr lang="zh-CN" altLang="en-US" sz="2000" b="1" u="sng" dirty="0">
-                <a:solidFill>
-                  <a:schemeClr val="bg1"/>
-                </a:solidFill>
+              <a:rPr lang="zh-CN" altLang="en-US" sz="2000" dirty="0">
+                <a:solidFill>
+                  <a:srgbClr val="FFFFFF"/>
+                </a:solidFill>
+                <a:effectLst>
+                  <a:glow rad="228600">
+                    <a:schemeClr val="bg1">
+                      <a:alpha val="40000"/>
+                    </a:schemeClr>
+                  </a:glow>
+                </a:effectLst>
                 <a:latin typeface="微软雅黑" panose="020B0503020204020204" pitchFamily="34" charset="-122"/>
                 <a:ea typeface="微软雅黑" panose="020B0503020204020204" pitchFamily="34" charset="-122"/>
                 <a:sym typeface="微软雅黑" panose="020B0503020204020204" pitchFamily="34" charset="-122"/>
@@ -9813,18 +9351,7 @@
                 <a:ea typeface="微软雅黑" panose="020B0503020204020204" pitchFamily="34" charset="-122"/>
                 <a:sym typeface="微软雅黑" panose="020B0503020204020204" pitchFamily="34" charset="-122"/>
               </a:rPr>
-              <a:t>视图</a:t>
-            </a:r>
-            <a:r>
-              <a:rPr lang="zh-CN" altLang="en-US" sz="2000" dirty="0" smtClean="0">
-                <a:solidFill>
-                  <a:srgbClr val="FFFFFF"/>
-                </a:solidFill>
-                <a:latin typeface="微软雅黑" panose="020B0503020204020204" pitchFamily="34" charset="-122"/>
-                <a:ea typeface="微软雅黑" panose="020B0503020204020204" pitchFamily="34" charset="-122"/>
-                <a:sym typeface="微软雅黑" panose="020B0503020204020204" pitchFamily="34" charset="-122"/>
-              </a:rPr>
-              <a:t>：与坦克类友元、重载</a:t>
+              <a:t>视图：与坦克类友元、重载</a:t>
             </a:r>
             <a:endParaRPr lang="zh-CN" altLang="en-US" sz="2000" dirty="0">
               <a:solidFill>
@@ -9872,18 +9399,7 @@
                 <a:ea typeface="微软雅黑" panose="020B0503020204020204" pitchFamily="34" charset="-122"/>
                 <a:sym typeface="微软雅黑" panose="020B0503020204020204" pitchFamily="34" charset="-122"/>
               </a:rPr>
-              <a:t>坦克、子弹：继承</a:t>
-            </a:r>
-            <a:r>
-              <a:rPr lang="zh-CN" altLang="en-US" sz="2000" dirty="0" smtClean="0">
-                <a:solidFill>
-                  <a:srgbClr val="FFFFFF"/>
-                </a:solidFill>
-                <a:latin typeface="微软雅黑" panose="020B0503020204020204" pitchFamily="34" charset="-122"/>
-                <a:ea typeface="微软雅黑" panose="020B0503020204020204" pitchFamily="34" charset="-122"/>
-                <a:sym typeface="微软雅黑" panose="020B0503020204020204" pitchFamily="34" charset="-122"/>
-              </a:rPr>
-              <a:t>、重写、重定义</a:t>
+              <a:t>坦克、子弹：继承、重写、重定义</a:t>
             </a:r>
             <a:endParaRPr lang="en-US" altLang="zh-CN" sz="2000" dirty="0" smtClean="0">
               <a:solidFill>

--- a/2009_15PB_Tanker_CPP.pptx
+++ b/2009_15PB_Tanker_CPP.pptx
@@ -5,7 +5,7 @@
     <p:sldMasterId id="2147483660" r:id="rId1"/>
   </p:sldMasterIdLst>
   <p:notesMasterIdLst>
-    <p:notesMasterId r:id="rId12"/>
+    <p:notesMasterId r:id="rId15"/>
   </p:notesMasterIdLst>
   <p:sldIdLst>
     <p:sldId id="259" r:id="rId2"/>
@@ -18,6 +18,9 @@
     <p:sldId id="266" r:id="rId9"/>
     <p:sldId id="288" r:id="rId10"/>
     <p:sldId id="272" r:id="rId11"/>
+    <p:sldId id="289" r:id="rId12"/>
+    <p:sldId id="290" r:id="rId13"/>
+    <p:sldId id="291" r:id="rId14"/>
   </p:sldIdLst>
   <p:sldSz cx="7620000" cy="5715000"/>
   <p:notesSz cx="6858000" cy="9144000"/>
@@ -5046,6 +5049,1085 @@
   <p:transition>
     <p:dissolve/>
   </p:transition>
+  <p:timing>
+    <p:tnLst>
+      <p:par>
+        <p:cTn id="1" dur="indefinite" restart="never" nodeType="tmRoot"/>
+      </p:par>
+    </p:tnLst>
+  </p:timing>
+</p:sld>
+</file>
+
+<file path=ppt/slides/slide11.xml><?xml version="1.0" encoding="utf-8"?>
+<p:sld xmlns:a="http://schemas.openxmlformats.org/drawingml/2006/main" xmlns:r="http://schemas.openxmlformats.org/officeDocument/2006/relationships" xmlns:p="http://schemas.openxmlformats.org/presentationml/2006/main">
+  <p:cSld>
+    <p:spTree>
+      <p:nvGrpSpPr>
+        <p:cNvPr id="1" name=""/>
+        <p:cNvGrpSpPr/>
+        <p:nvPr/>
+      </p:nvGrpSpPr>
+      <p:grpSpPr>
+        <a:xfrm>
+          <a:off x="0" y="0"/>
+          <a:ext cx="0" cy="0"/>
+          <a:chOff x="0" y="0"/>
+          <a:chExt cx="0" cy="0"/>
+        </a:xfrm>
+      </p:grpSpPr>
+      <p:sp>
+        <p:nvSpPr>
+          <p:cNvPr id="4098" name="矩形 21"/>
+          <p:cNvSpPr>
+            <a:spLocks noChangeArrowheads="1"/>
+          </p:cNvSpPr>
+          <p:nvPr/>
+        </p:nvSpPr>
+        <p:spPr bwMode="auto">
+          <a:xfrm>
+            <a:off x="0" y="1525352"/>
+            <a:ext cx="7620000" cy="3756434"/>
+          </a:xfrm>
+          <a:prstGeom prst="rect">
+            <a:avLst/>
+          </a:prstGeom>
+          <a:solidFill>
+            <a:srgbClr val="E1E0E2">
+              <a:alpha val="50000"/>
+            </a:srgbClr>
+          </a:solidFill>
+          <a:ln>
+            <a:noFill/>
+          </a:ln>
+          <a:extLst>
+            <a:ext uri="{91240B29-F687-4F45-9708-019B960494DF}">
+              <a14:hiddenLine xmlns:a14="http://schemas.microsoft.com/office/drawing/2010/main" w="9525">
+                <a:solidFill>
+                  <a:srgbClr val="000000"/>
+                </a:solidFill>
+                <a:miter lim="800000"/>
+                <a:headEnd/>
+                <a:tailEnd/>
+              </a14:hiddenLine>
+            </a:ext>
+          </a:extLst>
+        </p:spPr>
+        <p:txBody>
+          <a:bodyPr tIns="210000"/>
+          <a:lstStyle/>
+          <a:p>
+            <a:pPr>
+              <a:lnSpc>
+                <a:spcPct val="150000"/>
+              </a:lnSpc>
+            </a:pPr>
+            <a:r>
+              <a:rPr lang="en-US" altLang="zh-CN" sz="2000" dirty="0" smtClean="0">
+                <a:solidFill>
+                  <a:srgbClr val="FFFFFF"/>
+                </a:solidFill>
+                <a:latin typeface="微软雅黑" panose="020B0503020204020204" pitchFamily="34" charset="-122"/>
+                <a:ea typeface="微软雅黑" panose="020B0503020204020204" pitchFamily="34" charset="-122"/>
+                <a:sym typeface="微软雅黑" panose="020B0503020204020204" pitchFamily="34" charset="-122"/>
+              </a:rPr>
+              <a:t>1. </a:t>
+            </a:r>
+            <a:r>
+              <a:rPr lang="zh-CN" altLang="en-US" sz="2000" dirty="0" smtClean="0">
+                <a:solidFill>
+                  <a:srgbClr val="FFFFFF"/>
+                </a:solidFill>
+                <a:latin typeface="微软雅黑" panose="020B0503020204020204" pitchFamily="34" charset="-122"/>
+                <a:ea typeface="微软雅黑" panose="020B0503020204020204" pitchFamily="34" charset="-122"/>
+                <a:sym typeface="微软雅黑" panose="020B0503020204020204" pitchFamily="34" charset="-122"/>
+              </a:rPr>
+              <a:t>地图：位段的运</a:t>
+            </a:r>
+            <a:r>
+              <a:rPr lang="zh-CN" altLang="en-US" sz="2000" dirty="0" smtClean="0">
+                <a:solidFill>
+                  <a:srgbClr val="FFFFFF"/>
+                </a:solidFill>
+                <a:latin typeface="微软雅黑" panose="020B0503020204020204" pitchFamily="34" charset="-122"/>
+                <a:ea typeface="微软雅黑" panose="020B0503020204020204" pitchFamily="34" charset="-122"/>
+                <a:sym typeface="微软雅黑" panose="020B0503020204020204" pitchFamily="34" charset="-122"/>
+              </a:rPr>
+              <a:t>用</a:t>
+            </a:r>
+            <a:endParaRPr lang="en-US" altLang="zh-CN" sz="2000" dirty="0" smtClean="0">
+              <a:solidFill>
+                <a:srgbClr val="FFFFFF"/>
+              </a:solidFill>
+              <a:latin typeface="微软雅黑" panose="020B0503020204020204" pitchFamily="34" charset="-122"/>
+              <a:ea typeface="微软雅黑" panose="020B0503020204020204" pitchFamily="34" charset="-122"/>
+              <a:sym typeface="微软雅黑" panose="020B0503020204020204" pitchFamily="34" charset="-122"/>
+            </a:endParaRPr>
+          </a:p>
+        </p:txBody>
+      </p:sp>
+      <p:sp>
+        <p:nvSpPr>
+          <p:cNvPr id="4111" name="椭圆 18"/>
+          <p:cNvSpPr>
+            <a:spLocks noChangeArrowheads="1"/>
+          </p:cNvSpPr>
+          <p:nvPr/>
+        </p:nvSpPr>
+        <p:spPr bwMode="auto">
+          <a:xfrm>
+            <a:off x="497632" y="366713"/>
+            <a:ext cx="6336704" cy="1379537"/>
+          </a:xfrm>
+          <a:prstGeom prst="ellipse">
+            <a:avLst/>
+          </a:prstGeom>
+          <a:noFill/>
+          <a:ln>
+            <a:noFill/>
+          </a:ln>
+          <a:extLst>
+            <a:ext uri="{909E8E84-426E-40DD-AFC4-6F175D3DCCD1}">
+              <a14:hiddenFill xmlns:a14="http://schemas.microsoft.com/office/drawing/2010/main">
+                <a:solidFill>
+                  <a:srgbClr val="FFFFFF"/>
+                </a:solidFill>
+              </a14:hiddenFill>
+            </a:ext>
+            <a:ext uri="{91240B29-F687-4F45-9708-019B960494DF}">
+              <a14:hiddenLine xmlns:a14="http://schemas.microsoft.com/office/drawing/2010/main" w="9525">
+                <a:solidFill>
+                  <a:srgbClr val="000000"/>
+                </a:solidFill>
+                <a:round/>
+                <a:headEnd/>
+                <a:tailEnd/>
+              </a14:hiddenLine>
+            </a:ext>
+          </a:extLst>
+        </p:spPr>
+        <p:txBody>
+          <a:bodyPr anchor="ctr"/>
+          <a:lstStyle/>
+          <a:p>
+            <a:r>
+              <a:rPr lang="zh-CN" altLang="en-US" sz="3600" b="1" dirty="0" smtClean="0">
+                <a:solidFill>
+                  <a:srgbClr val="E94D1A"/>
+                </a:solidFill>
+                <a:latin typeface="微软雅黑" panose="020B0503020204020204" pitchFamily="34" charset="-122"/>
+                <a:ea typeface="微软雅黑" panose="020B0503020204020204" pitchFamily="34" charset="-122"/>
+                <a:sym typeface="微软雅黑" panose="020B0503020204020204" pitchFamily="34" charset="-122"/>
+              </a:rPr>
+              <a:t>位段运用</a:t>
+            </a:r>
+            <a:endParaRPr lang="zh-CN" altLang="en-US" sz="3600" b="1" dirty="0">
+              <a:solidFill>
+                <a:srgbClr val="E94D1A"/>
+              </a:solidFill>
+              <a:latin typeface="微软雅黑" panose="020B0503020204020204" pitchFamily="34" charset="-122"/>
+              <a:ea typeface="微软雅黑" panose="020B0503020204020204" pitchFamily="34" charset="-122"/>
+              <a:sym typeface="微软雅黑" panose="020B0503020204020204" pitchFamily="34" charset="-122"/>
+            </a:endParaRPr>
+          </a:p>
+        </p:txBody>
+      </p:sp>
+      <p:pic>
+        <p:nvPicPr>
+          <p:cNvPr id="2" name="图片 1"/>
+          <p:cNvPicPr>
+            <a:picLocks noChangeAspect="1"/>
+          </p:cNvPicPr>
+          <p:nvPr/>
+        </p:nvPicPr>
+        <p:blipFill>
+          <a:blip r:embed="rId2"/>
+          <a:stretch>
+            <a:fillRect/>
+          </a:stretch>
+        </p:blipFill>
+        <p:spPr>
+          <a:xfrm>
+            <a:off x="425624" y="2317440"/>
+            <a:ext cx="4363059" cy="2534004"/>
+          </a:xfrm>
+          <a:prstGeom prst="rect">
+            <a:avLst/>
+          </a:prstGeom>
+        </p:spPr>
+      </p:pic>
+      <p:sp>
+        <p:nvSpPr>
+          <p:cNvPr id="3" name="左箭头 2">
+            <a:hlinkClick r:id="rId3" action="ppaction://hlinksldjump"/>
+          </p:cNvPr>
+          <p:cNvSpPr/>
+          <p:nvPr/>
+        </p:nvSpPr>
+        <p:spPr bwMode="auto">
+          <a:xfrm>
+            <a:off x="6474296" y="4797154"/>
+            <a:ext cx="978408" cy="484632"/>
+          </a:xfrm>
+          <a:prstGeom prst="leftArrow">
+            <a:avLst/>
+          </a:prstGeom>
+          <a:solidFill>
+            <a:schemeClr val="accent1"/>
+          </a:solidFill>
+          <a:ln w="9525" cap="flat" cmpd="sng" algn="ctr">
+            <a:solidFill>
+              <a:schemeClr val="tx1"/>
+            </a:solidFill>
+            <a:prstDash val="solid"/>
+            <a:round/>
+            <a:headEnd type="none" w="med" len="med"/>
+            <a:tailEnd type="none" w="med" len="med"/>
+          </a:ln>
+          <a:effectLst/>
+          <a:extLst>
+            <a:ext uri="{AF507438-7753-43E0-B8FC-AC1667EBCBE1}">
+              <a14:hiddenEffects xmlns:a14="http://schemas.microsoft.com/office/drawing/2010/main">
+                <a:effectLst>
+                  <a:outerShdw dist="35921" dir="2700000" algn="ctr" rotWithShape="0">
+                    <a:schemeClr val="bg2"/>
+                  </a:outerShdw>
+                </a:effectLst>
+              </a14:hiddenEffects>
+            </a:ext>
+          </a:extLst>
+        </p:spPr>
+        <p:txBody>
+          <a:bodyPr vert="horz" wrap="square" lIns="91440" tIns="45720" rIns="91440" bIns="45720" numCol="1" rtlCol="0" anchor="t" anchorCtr="0" compatLnSpc="1">
+            <a:prstTxWarp prst="textNoShape">
+              <a:avLst/>
+            </a:prstTxWarp>
+          </a:bodyPr>
+          <a:lstStyle/>
+          <a:p>
+            <a:pPr marL="0" marR="0" indent="0" algn="l" defTabSz="914400" rtl="0" eaLnBrk="1" fontAlgn="base" latinLnBrk="0" hangingPunct="1">
+              <a:lnSpc>
+                <a:spcPct val="100000"/>
+              </a:lnSpc>
+              <a:spcBef>
+                <a:spcPct val="0"/>
+              </a:spcBef>
+              <a:spcAft>
+                <a:spcPct val="0"/>
+              </a:spcAft>
+              <a:buClrTx/>
+              <a:buSzTx/>
+              <a:buFont typeface="Arial" panose="020B0604020202020204" pitchFamily="34" charset="0"/>
+              <a:buNone/>
+              <a:tabLst/>
+            </a:pPr>
+            <a:endParaRPr kumimoji="0" lang="zh-CN" altLang="en-US" sz="1800" b="0" i="0" u="none" strike="noStrike" cap="none" normalizeH="0" baseline="0" smtClean="0">
+              <a:ln>
+                <a:noFill/>
+              </a:ln>
+              <a:solidFill>
+                <a:schemeClr val="tx1"/>
+              </a:solidFill>
+              <a:effectLst/>
+              <a:latin typeface="Arial" panose="020B0604020202020204" pitchFamily="34" charset="0"/>
+              <a:ea typeface="宋体" panose="02010600030101010101" pitchFamily="2" charset="-122"/>
+            </a:endParaRPr>
+          </a:p>
+        </p:txBody>
+      </p:sp>
+    </p:spTree>
+    <p:extLst>
+      <p:ext uri="{BB962C8B-B14F-4D97-AF65-F5344CB8AC3E}">
+        <p14:creationId xmlns:p14="http://schemas.microsoft.com/office/powerpoint/2010/main" val="4062501703"/>
+      </p:ext>
+    </p:extLst>
+  </p:cSld>
+  <p:clrMapOvr>
+    <a:masterClrMapping/>
+  </p:clrMapOvr>
+  <p:transition>
+    <p:wipe dir="d"/>
+  </p:transition>
+  <p:timing>
+    <p:tnLst>
+      <p:par>
+        <p:cTn id="1" dur="indefinite" restart="never" nodeType="tmRoot"/>
+      </p:par>
+    </p:tnLst>
+  </p:timing>
+</p:sld>
+</file>
+
+<file path=ppt/slides/slide12.xml><?xml version="1.0" encoding="utf-8"?>
+<p:sld xmlns:a="http://schemas.openxmlformats.org/drawingml/2006/main" xmlns:r="http://schemas.openxmlformats.org/officeDocument/2006/relationships" xmlns:p="http://schemas.openxmlformats.org/presentationml/2006/main">
+  <p:cSld>
+    <p:spTree>
+      <p:nvGrpSpPr>
+        <p:cNvPr id="1" name=""/>
+        <p:cNvGrpSpPr/>
+        <p:nvPr/>
+      </p:nvGrpSpPr>
+      <p:grpSpPr>
+        <a:xfrm>
+          <a:off x="0" y="0"/>
+          <a:ext cx="0" cy="0"/>
+          <a:chOff x="0" y="0"/>
+          <a:chExt cx="0" cy="0"/>
+        </a:xfrm>
+      </p:grpSpPr>
+      <p:sp>
+        <p:nvSpPr>
+          <p:cNvPr id="4098" name="矩形 21"/>
+          <p:cNvSpPr>
+            <a:spLocks noChangeArrowheads="1"/>
+          </p:cNvSpPr>
+          <p:nvPr/>
+        </p:nvSpPr>
+        <p:spPr bwMode="auto">
+          <a:xfrm>
+            <a:off x="0" y="1525352"/>
+            <a:ext cx="7620000" cy="3756434"/>
+          </a:xfrm>
+          <a:prstGeom prst="rect">
+            <a:avLst/>
+          </a:prstGeom>
+          <a:solidFill>
+            <a:srgbClr val="E1E0E2">
+              <a:alpha val="50000"/>
+            </a:srgbClr>
+          </a:solidFill>
+          <a:ln>
+            <a:noFill/>
+          </a:ln>
+          <a:extLst>
+            <a:ext uri="{91240B29-F687-4F45-9708-019B960494DF}">
+              <a14:hiddenLine xmlns:a14="http://schemas.microsoft.com/office/drawing/2010/main" w="9525">
+                <a:solidFill>
+                  <a:srgbClr val="000000"/>
+                </a:solidFill>
+                <a:miter lim="800000"/>
+                <a:headEnd/>
+                <a:tailEnd/>
+              </a14:hiddenLine>
+            </a:ext>
+          </a:extLst>
+        </p:spPr>
+        <p:txBody>
+          <a:bodyPr tIns="210000"/>
+          <a:lstStyle/>
+          <a:p>
+            <a:pPr>
+              <a:lnSpc>
+                <a:spcPct val="150000"/>
+              </a:lnSpc>
+            </a:pPr>
+            <a:r>
+              <a:rPr lang="en-US" altLang="zh-CN" sz="2000" dirty="0">
+                <a:solidFill>
+                  <a:srgbClr val="FFFFFF"/>
+                </a:solidFill>
+                <a:latin typeface="微软雅黑" panose="020B0503020204020204" pitchFamily="34" charset="-122"/>
+                <a:ea typeface="微软雅黑" panose="020B0503020204020204" pitchFamily="34" charset="-122"/>
+                <a:sym typeface="微软雅黑" panose="020B0503020204020204" pitchFamily="34" charset="-122"/>
+              </a:rPr>
+              <a:t>2. </a:t>
+            </a:r>
+            <a:r>
+              <a:rPr lang="zh-CN" altLang="en-US" sz="2000" dirty="0">
+                <a:solidFill>
+                  <a:srgbClr val="FFFFFF"/>
+                </a:solidFill>
+                <a:latin typeface="微软雅黑" panose="020B0503020204020204" pitchFamily="34" charset="-122"/>
+                <a:ea typeface="微软雅黑" panose="020B0503020204020204" pitchFamily="34" charset="-122"/>
+                <a:sym typeface="微软雅黑" panose="020B0503020204020204" pitchFamily="34" charset="-122"/>
+              </a:rPr>
+              <a:t>视图：与坦克类友元、重载</a:t>
+            </a:r>
+            <a:endParaRPr lang="zh-CN" altLang="en-US" sz="2000" dirty="0">
+              <a:solidFill>
+                <a:srgbClr val="FFFFFF"/>
+              </a:solidFill>
+              <a:latin typeface="微软雅黑" panose="020B0503020204020204" pitchFamily="34" charset="-122"/>
+              <a:ea typeface="微软雅黑" panose="020B0503020204020204" pitchFamily="34" charset="-122"/>
+              <a:sym typeface="微软雅黑" panose="020B0503020204020204" pitchFamily="34" charset="-122"/>
+            </a:endParaRPr>
+          </a:p>
+        </p:txBody>
+      </p:sp>
+      <p:sp>
+        <p:nvSpPr>
+          <p:cNvPr id="4111" name="椭圆 18"/>
+          <p:cNvSpPr>
+            <a:spLocks noChangeArrowheads="1"/>
+          </p:cNvSpPr>
+          <p:nvPr/>
+        </p:nvSpPr>
+        <p:spPr bwMode="auto">
+          <a:xfrm>
+            <a:off x="497632" y="366713"/>
+            <a:ext cx="6336704" cy="1379537"/>
+          </a:xfrm>
+          <a:prstGeom prst="ellipse">
+            <a:avLst/>
+          </a:prstGeom>
+          <a:noFill/>
+          <a:ln>
+            <a:noFill/>
+          </a:ln>
+          <a:extLst>
+            <a:ext uri="{909E8E84-426E-40DD-AFC4-6F175D3DCCD1}">
+              <a14:hiddenFill xmlns:a14="http://schemas.microsoft.com/office/drawing/2010/main">
+                <a:solidFill>
+                  <a:srgbClr val="FFFFFF"/>
+                </a:solidFill>
+              </a14:hiddenFill>
+            </a:ext>
+            <a:ext uri="{91240B29-F687-4F45-9708-019B960494DF}">
+              <a14:hiddenLine xmlns:a14="http://schemas.microsoft.com/office/drawing/2010/main" w="9525">
+                <a:solidFill>
+                  <a:srgbClr val="000000"/>
+                </a:solidFill>
+                <a:round/>
+                <a:headEnd/>
+                <a:tailEnd/>
+              </a14:hiddenLine>
+            </a:ext>
+          </a:extLst>
+        </p:spPr>
+        <p:txBody>
+          <a:bodyPr anchor="ctr"/>
+          <a:lstStyle/>
+          <a:p>
+            <a:r>
+              <a:rPr lang="zh-CN" altLang="en-US" sz="3600" b="1" dirty="0">
+                <a:solidFill>
+                  <a:srgbClr val="E94D1A"/>
+                </a:solidFill>
+                <a:latin typeface="微软雅黑" panose="020B0503020204020204" pitchFamily="34" charset="-122"/>
+                <a:ea typeface="微软雅黑" panose="020B0503020204020204" pitchFamily="34" charset="-122"/>
+                <a:sym typeface="微软雅黑" panose="020B0503020204020204" pitchFamily="34" charset="-122"/>
+              </a:rPr>
+              <a:t>友元、重载</a:t>
+            </a:r>
+            <a:endParaRPr lang="zh-CN" altLang="en-US" sz="3600" b="1" dirty="0">
+              <a:solidFill>
+                <a:srgbClr val="E94D1A"/>
+              </a:solidFill>
+              <a:latin typeface="微软雅黑" panose="020B0503020204020204" pitchFamily="34" charset="-122"/>
+              <a:ea typeface="微软雅黑" panose="020B0503020204020204" pitchFamily="34" charset="-122"/>
+              <a:sym typeface="微软雅黑" panose="020B0503020204020204" pitchFamily="34" charset="-122"/>
+            </a:endParaRPr>
+          </a:p>
+        </p:txBody>
+      </p:sp>
+      <p:sp>
+        <p:nvSpPr>
+          <p:cNvPr id="3" name="左箭头 2">
+            <a:hlinkClick r:id="rId2" action="ppaction://hlinksldjump"/>
+          </p:cNvPr>
+          <p:cNvSpPr/>
+          <p:nvPr/>
+        </p:nvSpPr>
+        <p:spPr bwMode="auto">
+          <a:xfrm>
+            <a:off x="6474296" y="4797154"/>
+            <a:ext cx="978408" cy="484632"/>
+          </a:xfrm>
+          <a:prstGeom prst="leftArrow">
+            <a:avLst/>
+          </a:prstGeom>
+          <a:solidFill>
+            <a:schemeClr val="accent1"/>
+          </a:solidFill>
+          <a:ln w="9525" cap="flat" cmpd="sng" algn="ctr">
+            <a:solidFill>
+              <a:schemeClr val="tx1"/>
+            </a:solidFill>
+            <a:prstDash val="solid"/>
+            <a:round/>
+            <a:headEnd type="none" w="med" len="med"/>
+            <a:tailEnd type="none" w="med" len="med"/>
+          </a:ln>
+          <a:effectLst/>
+          <a:extLst>
+            <a:ext uri="{AF507438-7753-43E0-B8FC-AC1667EBCBE1}">
+              <a14:hiddenEffects xmlns:a14="http://schemas.microsoft.com/office/drawing/2010/main">
+                <a:effectLst>
+                  <a:outerShdw dist="35921" dir="2700000" algn="ctr" rotWithShape="0">
+                    <a:schemeClr val="bg2"/>
+                  </a:outerShdw>
+                </a:effectLst>
+              </a14:hiddenEffects>
+            </a:ext>
+          </a:extLst>
+        </p:spPr>
+        <p:txBody>
+          <a:bodyPr vert="horz" wrap="square" lIns="91440" tIns="45720" rIns="91440" bIns="45720" numCol="1" rtlCol="0" anchor="t" anchorCtr="0" compatLnSpc="1">
+            <a:prstTxWarp prst="textNoShape">
+              <a:avLst/>
+            </a:prstTxWarp>
+          </a:bodyPr>
+          <a:lstStyle/>
+          <a:p>
+            <a:pPr marL="0" marR="0" indent="0" algn="l" defTabSz="914400" rtl="0" eaLnBrk="1" fontAlgn="base" latinLnBrk="0" hangingPunct="1">
+              <a:lnSpc>
+                <a:spcPct val="100000"/>
+              </a:lnSpc>
+              <a:spcBef>
+                <a:spcPct val="0"/>
+              </a:spcBef>
+              <a:spcAft>
+                <a:spcPct val="0"/>
+              </a:spcAft>
+              <a:buClrTx/>
+              <a:buSzTx/>
+              <a:buFont typeface="Arial" panose="020B0604020202020204" pitchFamily="34" charset="0"/>
+              <a:buNone/>
+              <a:tabLst/>
+            </a:pPr>
+            <a:endParaRPr kumimoji="0" lang="zh-CN" altLang="en-US" sz="1800" b="0" i="0" u="none" strike="noStrike" cap="none" normalizeH="0" baseline="0" smtClean="0">
+              <a:ln>
+                <a:noFill/>
+              </a:ln>
+              <a:solidFill>
+                <a:schemeClr val="tx1"/>
+              </a:solidFill>
+              <a:effectLst/>
+              <a:latin typeface="Arial" panose="020B0604020202020204" pitchFamily="34" charset="0"/>
+              <a:ea typeface="宋体" panose="02010600030101010101" pitchFamily="2" charset="-122"/>
+            </a:endParaRPr>
+          </a:p>
+        </p:txBody>
+      </p:sp>
+      <p:pic>
+        <p:nvPicPr>
+          <p:cNvPr id="4" name="图片 3"/>
+          <p:cNvPicPr>
+            <a:picLocks noChangeAspect="1"/>
+          </p:cNvPicPr>
+          <p:nvPr/>
+        </p:nvPicPr>
+        <p:blipFill>
+          <a:blip r:embed="rId3"/>
+          <a:stretch>
+            <a:fillRect/>
+          </a:stretch>
+        </p:blipFill>
+        <p:spPr>
+          <a:xfrm>
+            <a:off x="173596" y="2353444"/>
+            <a:ext cx="4753638" cy="2591162"/>
+          </a:xfrm>
+          <a:prstGeom prst="rect">
+            <a:avLst/>
+          </a:prstGeom>
+        </p:spPr>
+      </p:pic>
+      <p:pic>
+        <p:nvPicPr>
+          <p:cNvPr id="5" name="图片 4"/>
+          <p:cNvPicPr>
+            <a:picLocks noChangeAspect="1"/>
+          </p:cNvPicPr>
+          <p:nvPr/>
+        </p:nvPicPr>
+        <p:blipFill>
+          <a:blip r:embed="rId4"/>
+          <a:stretch>
+            <a:fillRect/>
+          </a:stretch>
+        </p:blipFill>
+        <p:spPr>
+          <a:xfrm>
+            <a:off x="292821" y="2225567"/>
+            <a:ext cx="7034357" cy="3056219"/>
+          </a:xfrm>
+          <a:prstGeom prst="rect">
+            <a:avLst/>
+          </a:prstGeom>
+        </p:spPr>
+      </p:pic>
+    </p:spTree>
+    <p:extLst>
+      <p:ext uri="{BB962C8B-B14F-4D97-AF65-F5344CB8AC3E}">
+        <p14:creationId xmlns:p14="http://schemas.microsoft.com/office/powerpoint/2010/main" val="4121128014"/>
+      </p:ext>
+    </p:extLst>
+  </p:cSld>
+  <p:clrMapOvr>
+    <a:masterClrMapping/>
+  </p:clrMapOvr>
+  <p:transition>
+    <p:wipe dir="d"/>
+  </p:transition>
+  <p:timing>
+    <p:tnLst>
+      <p:par>
+        <p:cTn id="1" dur="indefinite" restart="never" nodeType="tmRoot">
+          <p:childTnLst>
+            <p:seq concurrent="1" nextAc="seek">
+              <p:cTn id="2" dur="indefinite" nodeType="mainSeq">
+                <p:childTnLst>
+                  <p:par>
+                    <p:cTn id="3" fill="hold">
+                      <p:stCondLst>
+                        <p:cond delay="indefinite"/>
+                      </p:stCondLst>
+                      <p:childTnLst>
+                        <p:par>
+                          <p:cTn id="4" fill="hold">
+                            <p:stCondLst>
+                              <p:cond delay="0"/>
+                            </p:stCondLst>
+                            <p:childTnLst>
+                              <p:par>
+                                <p:cTn id="5" presetID="10" presetClass="entr" presetSubtype="0" fill="hold" nodeType="clickEffect">
+                                  <p:stCondLst>
+                                    <p:cond delay="0"/>
+                                  </p:stCondLst>
+                                  <p:childTnLst>
+                                    <p:set>
+                                      <p:cBhvr>
+                                        <p:cTn id="6" dur="1" fill="hold">
+                                          <p:stCondLst>
+                                            <p:cond delay="0"/>
+                                          </p:stCondLst>
+                                        </p:cTn>
+                                        <p:tgtEl>
+                                          <p:spTgt spid="4"/>
+                                        </p:tgtEl>
+                                        <p:attrNameLst>
+                                          <p:attrName>style.visibility</p:attrName>
+                                        </p:attrNameLst>
+                                      </p:cBhvr>
+                                      <p:to>
+                                        <p:strVal val="visible"/>
+                                      </p:to>
+                                    </p:set>
+                                    <p:animEffect transition="in" filter="fade">
+                                      <p:cBhvr>
+                                        <p:cTn id="7" dur="500"/>
+                                        <p:tgtEl>
+                                          <p:spTgt spid="4"/>
+                                        </p:tgtEl>
+                                      </p:cBhvr>
+                                    </p:animEffect>
+                                  </p:childTnLst>
+                                </p:cTn>
+                              </p:par>
+                            </p:childTnLst>
+                          </p:cTn>
+                        </p:par>
+                      </p:childTnLst>
+                    </p:cTn>
+                  </p:par>
+                  <p:par>
+                    <p:cTn id="8" fill="hold">
+                      <p:stCondLst>
+                        <p:cond delay="indefinite"/>
+                      </p:stCondLst>
+                      <p:childTnLst>
+                        <p:par>
+                          <p:cTn id="9" fill="hold">
+                            <p:stCondLst>
+                              <p:cond delay="0"/>
+                            </p:stCondLst>
+                            <p:childTnLst>
+                              <p:par>
+                                <p:cTn id="10" presetID="10" presetClass="entr" presetSubtype="0" fill="hold" nodeType="clickEffect">
+                                  <p:stCondLst>
+                                    <p:cond delay="0"/>
+                                  </p:stCondLst>
+                                  <p:childTnLst>
+                                    <p:set>
+                                      <p:cBhvr>
+                                        <p:cTn id="11" dur="1" fill="hold">
+                                          <p:stCondLst>
+                                            <p:cond delay="0"/>
+                                          </p:stCondLst>
+                                        </p:cTn>
+                                        <p:tgtEl>
+                                          <p:spTgt spid="5"/>
+                                        </p:tgtEl>
+                                        <p:attrNameLst>
+                                          <p:attrName>style.visibility</p:attrName>
+                                        </p:attrNameLst>
+                                      </p:cBhvr>
+                                      <p:to>
+                                        <p:strVal val="visible"/>
+                                      </p:to>
+                                    </p:set>
+                                    <p:animEffect transition="in" filter="fade">
+                                      <p:cBhvr>
+                                        <p:cTn id="12" dur="500"/>
+                                        <p:tgtEl>
+                                          <p:spTgt spid="5"/>
+                                        </p:tgtEl>
+                                      </p:cBhvr>
+                                    </p:animEffect>
+                                  </p:childTnLst>
+                                </p:cTn>
+                              </p:par>
+                            </p:childTnLst>
+                          </p:cTn>
+                        </p:par>
+                      </p:childTnLst>
+                    </p:cTn>
+                  </p:par>
+                </p:childTnLst>
+              </p:cTn>
+              <p:prevCondLst>
+                <p:cond evt="onPrev" delay="0">
+                  <p:tgtEl>
+                    <p:sldTgt/>
+                  </p:tgtEl>
+                </p:cond>
+              </p:prevCondLst>
+              <p:nextCondLst>
+                <p:cond evt="onNext" delay="0">
+                  <p:tgtEl>
+                    <p:sldTgt/>
+                  </p:tgtEl>
+                </p:cond>
+              </p:nextCondLst>
+            </p:seq>
+          </p:childTnLst>
+        </p:cTn>
+      </p:par>
+    </p:tnLst>
+  </p:timing>
+</p:sld>
+</file>
+
+<file path=ppt/slides/slide13.xml><?xml version="1.0" encoding="utf-8"?>
+<p:sld xmlns:a="http://schemas.openxmlformats.org/drawingml/2006/main" xmlns:r="http://schemas.openxmlformats.org/officeDocument/2006/relationships" xmlns:p="http://schemas.openxmlformats.org/presentationml/2006/main">
+  <p:cSld>
+    <p:spTree>
+      <p:nvGrpSpPr>
+        <p:cNvPr id="1" name=""/>
+        <p:cNvGrpSpPr/>
+        <p:nvPr/>
+      </p:nvGrpSpPr>
+      <p:grpSpPr>
+        <a:xfrm>
+          <a:off x="0" y="0"/>
+          <a:ext cx="0" cy="0"/>
+          <a:chOff x="0" y="0"/>
+          <a:chExt cx="0" cy="0"/>
+        </a:xfrm>
+      </p:grpSpPr>
+      <p:sp>
+        <p:nvSpPr>
+          <p:cNvPr id="4098" name="矩形 21"/>
+          <p:cNvSpPr>
+            <a:spLocks noChangeArrowheads="1"/>
+          </p:cNvSpPr>
+          <p:nvPr/>
+        </p:nvSpPr>
+        <p:spPr bwMode="auto">
+          <a:xfrm>
+            <a:off x="0" y="1525352"/>
+            <a:ext cx="7620000" cy="3756434"/>
+          </a:xfrm>
+          <a:prstGeom prst="rect">
+            <a:avLst/>
+          </a:prstGeom>
+          <a:solidFill>
+            <a:srgbClr val="E1E0E2">
+              <a:alpha val="50000"/>
+            </a:srgbClr>
+          </a:solidFill>
+          <a:ln>
+            <a:noFill/>
+          </a:ln>
+          <a:extLst>
+            <a:ext uri="{91240B29-F687-4F45-9708-019B960494DF}">
+              <a14:hiddenLine xmlns:a14="http://schemas.microsoft.com/office/drawing/2010/main" w="9525">
+                <a:solidFill>
+                  <a:srgbClr val="000000"/>
+                </a:solidFill>
+                <a:miter lim="800000"/>
+                <a:headEnd/>
+                <a:tailEnd/>
+              </a14:hiddenLine>
+            </a:ext>
+          </a:extLst>
+        </p:spPr>
+        <p:txBody>
+          <a:bodyPr tIns="210000"/>
+          <a:lstStyle/>
+          <a:p>
+            <a:pPr>
+              <a:lnSpc>
+                <a:spcPct val="150000"/>
+              </a:lnSpc>
+            </a:pPr>
+            <a:r>
+              <a:rPr lang="en-US" altLang="zh-CN" sz="2000" dirty="0">
+                <a:solidFill>
+                  <a:srgbClr val="FFFFFF"/>
+                </a:solidFill>
+                <a:latin typeface="微软雅黑" panose="020B0503020204020204" pitchFamily="34" charset="-122"/>
+                <a:ea typeface="微软雅黑" panose="020B0503020204020204" pitchFamily="34" charset="-122"/>
+                <a:sym typeface="微软雅黑" panose="020B0503020204020204" pitchFamily="34" charset="-122"/>
+              </a:rPr>
+              <a:t>3. </a:t>
+            </a:r>
+            <a:r>
+              <a:rPr lang="zh-CN" altLang="en-US" sz="2000" dirty="0">
+                <a:solidFill>
+                  <a:srgbClr val="FFFFFF"/>
+                </a:solidFill>
+                <a:latin typeface="微软雅黑" panose="020B0503020204020204" pitchFamily="34" charset="-122"/>
+                <a:ea typeface="微软雅黑" panose="020B0503020204020204" pitchFamily="34" charset="-122"/>
+                <a:sym typeface="微软雅黑" panose="020B0503020204020204" pitchFamily="34" charset="-122"/>
+              </a:rPr>
+              <a:t>坦克、子弹：继承</a:t>
+            </a:r>
+            <a:r>
+              <a:rPr lang="zh-CN" altLang="en-US" sz="2000" dirty="0" smtClean="0">
+                <a:solidFill>
+                  <a:srgbClr val="FFFFFF"/>
+                </a:solidFill>
+                <a:latin typeface="微软雅黑" panose="020B0503020204020204" pitchFamily="34" charset="-122"/>
+                <a:ea typeface="微软雅黑" panose="020B0503020204020204" pitchFamily="34" charset="-122"/>
+                <a:sym typeface="微软雅黑" panose="020B0503020204020204" pitchFamily="34" charset="-122"/>
+              </a:rPr>
+              <a:t>、重</a:t>
+            </a:r>
+            <a:r>
+              <a:rPr lang="zh-CN" altLang="en-US" sz="2000" dirty="0">
+                <a:solidFill>
+                  <a:srgbClr val="FFFFFF"/>
+                </a:solidFill>
+                <a:latin typeface="微软雅黑" panose="020B0503020204020204" pitchFamily="34" charset="-122"/>
+                <a:ea typeface="微软雅黑" panose="020B0503020204020204" pitchFamily="34" charset="-122"/>
+                <a:sym typeface="微软雅黑" panose="020B0503020204020204" pitchFamily="34" charset="-122"/>
+              </a:rPr>
+              <a:t>定义</a:t>
+            </a:r>
+            <a:endParaRPr lang="en-US" altLang="zh-CN" sz="2000" dirty="0">
+              <a:solidFill>
+                <a:srgbClr val="FFFFFF"/>
+              </a:solidFill>
+              <a:latin typeface="微软雅黑" panose="020B0503020204020204" pitchFamily="34" charset="-122"/>
+              <a:ea typeface="微软雅黑" panose="020B0503020204020204" pitchFamily="34" charset="-122"/>
+              <a:sym typeface="微软雅黑" panose="020B0503020204020204" pitchFamily="34" charset="-122"/>
+            </a:endParaRPr>
+          </a:p>
+        </p:txBody>
+      </p:sp>
+      <p:sp>
+        <p:nvSpPr>
+          <p:cNvPr id="4111" name="椭圆 18"/>
+          <p:cNvSpPr>
+            <a:spLocks noChangeArrowheads="1"/>
+          </p:cNvSpPr>
+          <p:nvPr/>
+        </p:nvSpPr>
+        <p:spPr bwMode="auto">
+          <a:xfrm>
+            <a:off x="497632" y="366713"/>
+            <a:ext cx="6336704" cy="1379537"/>
+          </a:xfrm>
+          <a:prstGeom prst="ellipse">
+            <a:avLst/>
+          </a:prstGeom>
+          <a:noFill/>
+          <a:ln>
+            <a:noFill/>
+          </a:ln>
+          <a:extLst>
+            <a:ext uri="{909E8E84-426E-40DD-AFC4-6F175D3DCCD1}">
+              <a14:hiddenFill xmlns:a14="http://schemas.microsoft.com/office/drawing/2010/main">
+                <a:solidFill>
+                  <a:srgbClr val="FFFFFF"/>
+                </a:solidFill>
+              </a14:hiddenFill>
+            </a:ext>
+            <a:ext uri="{91240B29-F687-4F45-9708-019B960494DF}">
+              <a14:hiddenLine xmlns:a14="http://schemas.microsoft.com/office/drawing/2010/main" w="9525">
+                <a:solidFill>
+                  <a:srgbClr val="000000"/>
+                </a:solidFill>
+                <a:round/>
+                <a:headEnd/>
+                <a:tailEnd/>
+              </a14:hiddenLine>
+            </a:ext>
+          </a:extLst>
+        </p:spPr>
+        <p:txBody>
+          <a:bodyPr anchor="ctr"/>
+          <a:lstStyle/>
+          <a:p>
+            <a:r>
+              <a:rPr lang="zh-CN" altLang="en-US" sz="3600" b="1" dirty="0">
+                <a:solidFill>
+                  <a:srgbClr val="E94D1A"/>
+                </a:solidFill>
+                <a:latin typeface="微软雅黑" panose="020B0503020204020204" pitchFamily="34" charset="-122"/>
+                <a:ea typeface="微软雅黑" panose="020B0503020204020204" pitchFamily="34" charset="-122"/>
+                <a:sym typeface="微软雅黑" panose="020B0503020204020204" pitchFamily="34" charset="-122"/>
+              </a:rPr>
+              <a:t>继承</a:t>
+            </a:r>
+            <a:r>
+              <a:rPr lang="zh-CN" altLang="en-US" sz="3600" b="1" dirty="0" smtClean="0">
+                <a:solidFill>
+                  <a:srgbClr val="E94D1A"/>
+                </a:solidFill>
+                <a:latin typeface="微软雅黑" panose="020B0503020204020204" pitchFamily="34" charset="-122"/>
+                <a:ea typeface="微软雅黑" panose="020B0503020204020204" pitchFamily="34" charset="-122"/>
+                <a:sym typeface="微软雅黑" panose="020B0503020204020204" pitchFamily="34" charset="-122"/>
+              </a:rPr>
+              <a:t>、重</a:t>
+            </a:r>
+            <a:r>
+              <a:rPr lang="zh-CN" altLang="en-US" sz="3600" b="1" dirty="0">
+                <a:solidFill>
+                  <a:srgbClr val="E94D1A"/>
+                </a:solidFill>
+                <a:latin typeface="微软雅黑" panose="020B0503020204020204" pitchFamily="34" charset="-122"/>
+                <a:ea typeface="微软雅黑" panose="020B0503020204020204" pitchFamily="34" charset="-122"/>
+                <a:sym typeface="微软雅黑" panose="020B0503020204020204" pitchFamily="34" charset="-122"/>
+              </a:rPr>
+              <a:t>定义</a:t>
+            </a:r>
+            <a:endParaRPr lang="zh-CN" altLang="en-US" sz="3600" b="1" dirty="0">
+              <a:solidFill>
+                <a:srgbClr val="E94D1A"/>
+              </a:solidFill>
+              <a:latin typeface="微软雅黑" panose="020B0503020204020204" pitchFamily="34" charset="-122"/>
+              <a:ea typeface="微软雅黑" panose="020B0503020204020204" pitchFamily="34" charset="-122"/>
+              <a:sym typeface="微软雅黑" panose="020B0503020204020204" pitchFamily="34" charset="-122"/>
+            </a:endParaRPr>
+          </a:p>
+        </p:txBody>
+      </p:sp>
+      <p:sp>
+        <p:nvSpPr>
+          <p:cNvPr id="3" name="左箭头 2">
+            <a:hlinkClick r:id="rId2" action="ppaction://hlinksldjump"/>
+          </p:cNvPr>
+          <p:cNvSpPr/>
+          <p:nvPr/>
+        </p:nvSpPr>
+        <p:spPr bwMode="auto">
+          <a:xfrm>
+            <a:off x="6474296" y="4797154"/>
+            <a:ext cx="978408" cy="484632"/>
+          </a:xfrm>
+          <a:prstGeom prst="leftArrow">
+            <a:avLst/>
+          </a:prstGeom>
+          <a:solidFill>
+            <a:schemeClr val="accent1"/>
+          </a:solidFill>
+          <a:ln w="9525" cap="flat" cmpd="sng" algn="ctr">
+            <a:solidFill>
+              <a:schemeClr val="tx1"/>
+            </a:solidFill>
+            <a:prstDash val="solid"/>
+            <a:round/>
+            <a:headEnd type="none" w="med" len="med"/>
+            <a:tailEnd type="none" w="med" len="med"/>
+          </a:ln>
+          <a:effectLst/>
+          <a:extLst>
+            <a:ext uri="{AF507438-7753-43E0-B8FC-AC1667EBCBE1}">
+              <a14:hiddenEffects xmlns:a14="http://schemas.microsoft.com/office/drawing/2010/main">
+                <a:effectLst>
+                  <a:outerShdw dist="35921" dir="2700000" algn="ctr" rotWithShape="0">
+                    <a:schemeClr val="bg2"/>
+                  </a:outerShdw>
+                </a:effectLst>
+              </a14:hiddenEffects>
+            </a:ext>
+          </a:extLst>
+        </p:spPr>
+        <p:txBody>
+          <a:bodyPr vert="horz" wrap="square" lIns="91440" tIns="45720" rIns="91440" bIns="45720" numCol="1" rtlCol="0" anchor="t" anchorCtr="0" compatLnSpc="1">
+            <a:prstTxWarp prst="textNoShape">
+              <a:avLst/>
+            </a:prstTxWarp>
+          </a:bodyPr>
+          <a:lstStyle/>
+          <a:p>
+            <a:pPr marL="0" marR="0" indent="0" algn="l" defTabSz="914400" rtl="0" eaLnBrk="1" fontAlgn="base" latinLnBrk="0" hangingPunct="1">
+              <a:lnSpc>
+                <a:spcPct val="100000"/>
+              </a:lnSpc>
+              <a:spcBef>
+                <a:spcPct val="0"/>
+              </a:spcBef>
+              <a:spcAft>
+                <a:spcPct val="0"/>
+              </a:spcAft>
+              <a:buClrTx/>
+              <a:buSzTx/>
+              <a:buFont typeface="Arial" panose="020B0604020202020204" pitchFamily="34" charset="0"/>
+              <a:buNone/>
+              <a:tabLst/>
+            </a:pPr>
+            <a:endParaRPr kumimoji="0" lang="zh-CN" altLang="en-US" sz="1800" b="0" i="0" u="none" strike="noStrike" cap="none" normalizeH="0" baseline="0" smtClean="0">
+              <a:ln>
+                <a:noFill/>
+              </a:ln>
+              <a:solidFill>
+                <a:schemeClr val="tx1"/>
+              </a:solidFill>
+              <a:effectLst/>
+              <a:latin typeface="Arial" panose="020B0604020202020204" pitchFamily="34" charset="0"/>
+              <a:ea typeface="宋体" panose="02010600030101010101" pitchFamily="2" charset="-122"/>
+            </a:endParaRPr>
+          </a:p>
+        </p:txBody>
+      </p:sp>
+      <p:pic>
+        <p:nvPicPr>
+          <p:cNvPr id="5" name="图片 4"/>
+          <p:cNvPicPr>
+            <a:picLocks noChangeAspect="1"/>
+          </p:cNvPicPr>
+          <p:nvPr/>
+        </p:nvPicPr>
+        <p:blipFill>
+          <a:blip r:embed="rId3"/>
+          <a:stretch>
+            <a:fillRect/>
+          </a:stretch>
+        </p:blipFill>
+        <p:spPr>
+          <a:xfrm>
+            <a:off x="137592" y="2281436"/>
+            <a:ext cx="5000337" cy="2922871"/>
+          </a:xfrm>
+          <a:prstGeom prst="rect">
+            <a:avLst/>
+          </a:prstGeom>
+        </p:spPr>
+      </p:pic>
+    </p:spTree>
+    <p:extLst>
+      <p:ext uri="{BB962C8B-B14F-4D97-AF65-F5344CB8AC3E}">
+        <p14:creationId xmlns:p14="http://schemas.microsoft.com/office/powerpoint/2010/main" val="3871330690"/>
+      </p:ext>
+    </p:extLst>
+  </p:cSld>
+  <p:clrMapOvr>
+    <a:masterClrMapping/>
+  </p:clrMapOvr>
+  <p:transition>
+    <p:wipe dir="d"/>
+  </p:transition>
+  <p:timing>
+    <p:tnLst>
+      <p:par>
+        <p:cTn id="1" dur="indefinite" restart="never" nodeType="tmRoot"/>
+      </p:par>
+    </p:tnLst>
+  </p:timing>
 </p:sld>
 </file>
 
@@ -9228,6 +10310,13 @@
   <p:transition>
     <p:comb/>
   </p:transition>
+  <p:timing>
+    <p:tnLst>
+      <p:par>
+        <p:cTn id="1" dur="indefinite" restart="never" nodeType="tmRoot"/>
+      </p:par>
+    </p:tnLst>
+  </p:timing>
 </p:sld>
 </file>
 
@@ -9313,8 +10402,20 @@
                 <a:latin typeface="微软雅黑" panose="020B0503020204020204" pitchFamily="34" charset="-122"/>
                 <a:ea typeface="微软雅黑" panose="020B0503020204020204" pitchFamily="34" charset="-122"/>
                 <a:sym typeface="微软雅黑" panose="020B0503020204020204" pitchFamily="34" charset="-122"/>
-              </a:rPr>
-              <a:t>地图：位段的运用</a:t>
+                <a:hlinkClick r:id="rId2" action="ppaction://hlinksldjump"/>
+              </a:rPr>
+              <a:t>地图</a:t>
+            </a:r>
+            <a:r>
+              <a:rPr lang="zh-CN" altLang="en-US" sz="2000" dirty="0" smtClean="0">
+                <a:solidFill>
+                  <a:srgbClr val="FFFFFF"/>
+                </a:solidFill>
+                <a:latin typeface="微软雅黑" panose="020B0503020204020204" pitchFamily="34" charset="-122"/>
+                <a:ea typeface="微软雅黑" panose="020B0503020204020204" pitchFamily="34" charset="-122"/>
+                <a:sym typeface="微软雅黑" panose="020B0503020204020204" pitchFamily="34" charset="-122"/>
+              </a:rPr>
+              <a:t>：位段的运用</a:t>
             </a:r>
             <a:endParaRPr lang="en-US" altLang="zh-CN" sz="2000" dirty="0" smtClean="0">
               <a:solidFill>
@@ -9350,8 +10451,20 @@
                 <a:latin typeface="微软雅黑" panose="020B0503020204020204" pitchFamily="34" charset="-122"/>
                 <a:ea typeface="微软雅黑" panose="020B0503020204020204" pitchFamily="34" charset="-122"/>
                 <a:sym typeface="微软雅黑" panose="020B0503020204020204" pitchFamily="34" charset="-122"/>
-              </a:rPr>
-              <a:t>视图：与坦克类友元、重载</a:t>
+                <a:hlinkClick r:id="rId3" action="ppaction://hlinksldjump"/>
+              </a:rPr>
+              <a:t>视图</a:t>
+            </a:r>
+            <a:r>
+              <a:rPr lang="zh-CN" altLang="en-US" sz="2000" dirty="0" smtClean="0">
+                <a:solidFill>
+                  <a:srgbClr val="FFFFFF"/>
+                </a:solidFill>
+                <a:latin typeface="微软雅黑" panose="020B0503020204020204" pitchFamily="34" charset="-122"/>
+                <a:ea typeface="微软雅黑" panose="020B0503020204020204" pitchFamily="34" charset="-122"/>
+                <a:sym typeface="微软雅黑" panose="020B0503020204020204" pitchFamily="34" charset="-122"/>
+              </a:rPr>
+              <a:t>：与坦克类友元、重载</a:t>
             </a:r>
             <a:endParaRPr lang="zh-CN" altLang="en-US" sz="2000" dirty="0">
               <a:solidFill>
@@ -9399,7 +10512,89 @@
                 <a:ea typeface="微软雅黑" panose="020B0503020204020204" pitchFamily="34" charset="-122"/>
                 <a:sym typeface="微软雅黑" panose="020B0503020204020204" pitchFamily="34" charset="-122"/>
               </a:rPr>
-              <a:t>坦克、子弹：继承、重写、重定义</a:t>
+              <a:t>坦克、</a:t>
+            </a:r>
+            <a:r>
+              <a:rPr lang="zh-CN" altLang="en-US" sz="2000" dirty="0" smtClean="0">
+                <a:solidFill>
+                  <a:srgbClr val="FFFFFF"/>
+                </a:solidFill>
+                <a:latin typeface="微软雅黑" panose="020B0503020204020204" pitchFamily="34" charset="-122"/>
+                <a:ea typeface="微软雅黑" panose="020B0503020204020204" pitchFamily="34" charset="-122"/>
+                <a:sym typeface="微软雅黑" panose="020B0503020204020204" pitchFamily="34" charset="-122"/>
+                <a:hlinkClick r:id="rId4" action="ppaction://hlinksldjump"/>
+              </a:rPr>
+              <a:t>子弹</a:t>
+            </a:r>
+            <a:r>
+              <a:rPr lang="zh-CN" altLang="en-US" sz="2000" dirty="0" smtClean="0">
+                <a:solidFill>
+                  <a:srgbClr val="FFFFFF"/>
+                </a:solidFill>
+                <a:latin typeface="微软雅黑" panose="020B0503020204020204" pitchFamily="34" charset="-122"/>
+                <a:ea typeface="微软雅黑" panose="020B0503020204020204" pitchFamily="34" charset="-122"/>
+                <a:sym typeface="微软雅黑" panose="020B0503020204020204" pitchFamily="34" charset="-122"/>
+              </a:rPr>
+              <a:t>：继</a:t>
+            </a:r>
+            <a:r>
+              <a:rPr lang="zh-CN" altLang="en-US" sz="2000" dirty="0" smtClean="0">
+                <a:solidFill>
+                  <a:srgbClr val="FFFFFF"/>
+                </a:solidFill>
+                <a:latin typeface="微软雅黑" panose="020B0503020204020204" pitchFamily="34" charset="-122"/>
+                <a:ea typeface="微软雅黑" panose="020B0503020204020204" pitchFamily="34" charset="-122"/>
+                <a:sym typeface="微软雅黑" panose="020B0503020204020204" pitchFamily="34" charset="-122"/>
+              </a:rPr>
+              <a:t>承、</a:t>
+            </a:r>
+            <a:r>
+              <a:rPr lang="zh-CN" altLang="en-US" sz="2000" dirty="0" smtClean="0">
+                <a:solidFill>
+                  <a:srgbClr val="FFFFFF"/>
+                </a:solidFill>
+                <a:latin typeface="微软雅黑" panose="020B0503020204020204" pitchFamily="34" charset="-122"/>
+                <a:ea typeface="微软雅黑" panose="020B0503020204020204" pitchFamily="34" charset="-122"/>
+                <a:sym typeface="微软雅黑" panose="020B0503020204020204" pitchFamily="34" charset="-122"/>
+              </a:rPr>
+              <a:t>重定义</a:t>
+            </a:r>
+            <a:endParaRPr lang="en-US" altLang="zh-CN" sz="2000" dirty="0" smtClean="0">
+              <a:solidFill>
+                <a:srgbClr val="FFFFFF"/>
+              </a:solidFill>
+              <a:latin typeface="微软雅黑" panose="020B0503020204020204" pitchFamily="34" charset="-122"/>
+              <a:ea typeface="微软雅黑" panose="020B0503020204020204" pitchFamily="34" charset="-122"/>
+              <a:sym typeface="微软雅黑" panose="020B0503020204020204" pitchFamily="34" charset="-122"/>
+            </a:endParaRPr>
+          </a:p>
+          <a:p>
+            <a:pPr>
+              <a:lnSpc>
+                <a:spcPct val="150000"/>
+              </a:lnSpc>
+            </a:pPr>
+            <a:r>
+              <a:rPr lang="en-US" altLang="zh-CN" sz="2000" dirty="0" smtClean="0">
+                <a:solidFill>
+                  <a:srgbClr val="FFFFFF"/>
+                </a:solidFill>
+                <a:latin typeface="微软雅黑" panose="020B0503020204020204" pitchFamily="34" charset="-122"/>
+                <a:ea typeface="微软雅黑" panose="020B0503020204020204" pitchFamily="34" charset="-122"/>
+                <a:sym typeface="微软雅黑" panose="020B0503020204020204" pitchFamily="34" charset="-122"/>
+              </a:rPr>
+              <a:t>4. A*</a:t>
+            </a:r>
+            <a:r>
+              <a:rPr lang="zh-CN" altLang="en-US" sz="2000" dirty="0" smtClean="0">
+                <a:solidFill>
+                  <a:srgbClr val="FFFFFF"/>
+                </a:solidFill>
+                <a:latin typeface="微软雅黑" panose="020B0503020204020204" pitchFamily="34" charset="-122"/>
+                <a:ea typeface="微软雅黑" panose="020B0503020204020204" pitchFamily="34" charset="-122"/>
+                <a:sym typeface="微软雅黑" panose="020B0503020204020204" pitchFamily="34" charset="-122"/>
+              </a:rPr>
+              <a:t>算法：重载运算符</a:t>
             </a:r>
             <a:endParaRPr lang="en-US" altLang="zh-CN" sz="2000" dirty="0" smtClean="0">
               <a:solidFill>
@@ -9432,6 +10627,17 @@
               </a:lnSpc>
             </a:pPr>
             <a:r>
+              <a:rPr lang="en-US" altLang="zh-CN" sz="2000" dirty="0">
+                <a:solidFill>
+                  <a:srgbClr val="FFFFFF"/>
+                </a:solidFill>
+                <a:latin typeface="微软雅黑" panose="020B0503020204020204" pitchFamily="34" charset="-122"/>
+                <a:ea typeface="微软雅黑" panose="020B0503020204020204" pitchFamily="34" charset="-122"/>
+                <a:sym typeface="微软雅黑" panose="020B0503020204020204" pitchFamily="34" charset="-122"/>
+              </a:rPr>
+              <a:t>5</a:t>
+            </a:r>
+            <a:r>
               <a:rPr lang="en-US" altLang="zh-CN" sz="2000" dirty="0" smtClean="0">
                 <a:solidFill>
                   <a:srgbClr val="FFFFFF"/>
@@ -9440,7 +10646,7 @@
                 <a:ea typeface="微软雅黑" panose="020B0503020204020204" pitchFamily="34" charset="-122"/>
                 <a:sym typeface="微软雅黑" panose="020B0503020204020204" pitchFamily="34" charset="-122"/>
               </a:rPr>
-              <a:t>4. </a:t>
+              <a:t>. </a:t>
             </a:r>
             <a:r>
               <a:rPr lang="zh-CN" altLang="en-US" sz="2000" dirty="0" smtClean="0">
@@ -9462,7 +10668,29 @@
                 <a:ea typeface="微软雅黑" panose="020B0503020204020204" pitchFamily="34" charset="-122"/>
                 <a:sym typeface="微软雅黑" panose="020B0503020204020204" pitchFamily="34" charset="-122"/>
               </a:rPr>
-              <a:t>据、视图、逻辑相分</a:t>
+              <a:t>据、视图、逻</a:t>
+            </a:r>
+            <a:r>
+              <a:rPr lang="zh-CN" altLang="en-US" sz="2000" dirty="0" smtClean="0">
+                <a:solidFill>
+                  <a:srgbClr val="FFFFFF"/>
+                </a:solidFill>
+                <a:latin typeface="微软雅黑" panose="020B0503020204020204" pitchFamily="34" charset="-122"/>
+                <a:ea typeface="微软雅黑" panose="020B0503020204020204" pitchFamily="34" charset="-122"/>
+                <a:sym typeface="微软雅黑" panose="020B0503020204020204" pitchFamily="34" charset="-122"/>
+              </a:rPr>
+              <a:t>辑（控制类）相</a:t>
+            </a:r>
+            <a:r>
+              <a:rPr lang="zh-CN" altLang="en-US" sz="2000" dirty="0">
+                <a:solidFill>
+                  <a:srgbClr val="FFFFFF"/>
+                </a:solidFill>
+                <a:latin typeface="微软雅黑" panose="020B0503020204020204" pitchFamily="34" charset="-122"/>
+                <a:ea typeface="微软雅黑" panose="020B0503020204020204" pitchFamily="34" charset="-122"/>
+                <a:sym typeface="微软雅黑" panose="020B0503020204020204" pitchFamily="34" charset="-122"/>
+              </a:rPr>
+              <a:t>分</a:t>
             </a:r>
             <a:r>
               <a:rPr lang="zh-CN" altLang="en-US" sz="2000" dirty="0" smtClean="0">
@@ -10097,6 +11325,13 @@
   <p:transition>
     <p:circle/>
   </p:transition>
+  <p:timing>
+    <p:tnLst>
+      <p:par>
+        <p:cTn id="1" dur="indefinite" restart="never" nodeType="tmRoot"/>
+      </p:par>
+    </p:tnLst>
+  </p:timing>
 </p:sld>
 </file>
 

--- a/2009_15PB_Tanker_CPP.pptx
+++ b/2009_15PB_Tanker_CPP.pptx
@@ -4493,18 +4493,7 @@
                   <a:ea typeface="微软雅黑" panose="020B0503020204020204" pitchFamily="34" charset="-122"/>
                   <a:sym typeface="微软雅黑" panose="020B0503020204020204" pitchFamily="34" charset="-122"/>
                 </a:rPr>
-                <a:t>学</a:t>
-              </a:r>
-              <a:r>
-                <a:rPr lang="zh-CN" altLang="en-US" sz="1300" dirty="0" smtClean="0">
-                  <a:solidFill>
-                    <a:srgbClr val="FFFFFF"/>
-                  </a:solidFill>
-                  <a:latin typeface="微软雅黑" panose="020B0503020204020204" pitchFamily="34" charset="-122"/>
-                  <a:ea typeface="微软雅黑" panose="020B0503020204020204" pitchFamily="34" charset="-122"/>
-                  <a:sym typeface="微软雅黑" panose="020B0503020204020204" pitchFamily="34" charset="-122"/>
-                </a:rPr>
-                <a:t>员：毛宏伟</a:t>
+                <a:t>学员：毛宏伟</a:t>
               </a:r>
               <a:endParaRPr lang="en-US" altLang="zh-CN" sz="1300" dirty="0" smtClean="0">
                 <a:solidFill>
@@ -5142,18 +5131,7 @@
                 <a:ea typeface="微软雅黑" panose="020B0503020204020204" pitchFamily="34" charset="-122"/>
                 <a:sym typeface="微软雅黑" panose="020B0503020204020204" pitchFamily="34" charset="-122"/>
               </a:rPr>
-              <a:t>地图：位段的运</a:t>
-            </a:r>
-            <a:r>
-              <a:rPr lang="zh-CN" altLang="en-US" sz="2000" dirty="0" smtClean="0">
-                <a:solidFill>
-                  <a:srgbClr val="FFFFFF"/>
-                </a:solidFill>
-                <a:latin typeface="微软雅黑" panose="020B0503020204020204" pitchFamily="34" charset="-122"/>
-                <a:ea typeface="微软雅黑" panose="020B0503020204020204" pitchFamily="34" charset="-122"/>
-                <a:sym typeface="微软雅黑" panose="020B0503020204020204" pitchFamily="34" charset="-122"/>
-              </a:rPr>
-              <a:t>用</a:t>
+              <a:t>地图：位段的运用</a:t>
             </a:r>
             <a:endParaRPr lang="en-US" altLang="zh-CN" sz="2000" dirty="0" smtClean="0">
               <a:solidFill>
@@ -5443,14 +5421,6 @@
               </a:rPr>
               <a:t>视图：与坦克类友元、重载</a:t>
             </a:r>
-            <a:endParaRPr lang="zh-CN" altLang="en-US" sz="2000" dirty="0">
-              <a:solidFill>
-                <a:srgbClr val="FFFFFF"/>
-              </a:solidFill>
-              <a:latin typeface="微软雅黑" panose="020B0503020204020204" pitchFamily="34" charset="-122"/>
-              <a:ea typeface="微软雅黑" panose="020B0503020204020204" pitchFamily="34" charset="-122"/>
-              <a:sym typeface="微软雅黑" panose="020B0503020204020204" pitchFamily="34" charset="-122"/>
-            </a:endParaRPr>
           </a:p>
         </p:txBody>
       </p:sp>
@@ -5509,21 +5479,61 @@
               </a:rPr>
               <a:t>友元、重载</a:t>
             </a:r>
-            <a:endParaRPr lang="zh-CN" altLang="en-US" sz="3600" b="1" dirty="0">
-              <a:solidFill>
-                <a:srgbClr val="E94D1A"/>
-              </a:solidFill>
-              <a:latin typeface="微软雅黑" panose="020B0503020204020204" pitchFamily="34" charset="-122"/>
-              <a:ea typeface="微软雅黑" panose="020B0503020204020204" pitchFamily="34" charset="-122"/>
-              <a:sym typeface="微软雅黑" panose="020B0503020204020204" pitchFamily="34" charset="-122"/>
-            </a:endParaRPr>
           </a:p>
         </p:txBody>
       </p:sp>
+      <p:pic>
+        <p:nvPicPr>
+          <p:cNvPr id="4" name="图片 3"/>
+          <p:cNvPicPr>
+            <a:picLocks noChangeAspect="1"/>
+          </p:cNvPicPr>
+          <p:nvPr/>
+        </p:nvPicPr>
+        <p:blipFill>
+          <a:blip r:embed="rId2"/>
+          <a:stretch>
+            <a:fillRect/>
+          </a:stretch>
+        </p:blipFill>
+        <p:spPr>
+          <a:xfrm>
+            <a:off x="173596" y="2353444"/>
+            <a:ext cx="4753638" cy="2591162"/>
+          </a:xfrm>
+          <a:prstGeom prst="rect">
+            <a:avLst/>
+          </a:prstGeom>
+        </p:spPr>
+      </p:pic>
+      <p:pic>
+        <p:nvPicPr>
+          <p:cNvPr id="5" name="图片 4"/>
+          <p:cNvPicPr>
+            <a:picLocks noChangeAspect="1"/>
+          </p:cNvPicPr>
+          <p:nvPr/>
+        </p:nvPicPr>
+        <p:blipFill>
+          <a:blip r:embed="rId3"/>
+          <a:stretch>
+            <a:fillRect/>
+          </a:stretch>
+        </p:blipFill>
+        <p:spPr>
+          <a:xfrm>
+            <a:off x="292821" y="2225567"/>
+            <a:ext cx="7034357" cy="3056219"/>
+          </a:xfrm>
+          <a:prstGeom prst="rect">
+            <a:avLst/>
+          </a:prstGeom>
+        </p:spPr>
+      </p:pic>
       <p:sp>
         <p:nvSpPr>
           <p:cNvPr id="3" name="左箭头 2">
-            <a:hlinkClick r:id="rId2" action="ppaction://hlinksldjump"/>
+            <a:hlinkClick r:id="rId4" action="ppaction://hlinksldjump"/>
           </p:cNvPr>
           <p:cNvSpPr/>
           <p:nvPr/>
@@ -5599,54 +5609,6 @@
           </a:p>
         </p:txBody>
       </p:sp>
-      <p:pic>
-        <p:nvPicPr>
-          <p:cNvPr id="4" name="图片 3"/>
-          <p:cNvPicPr>
-            <a:picLocks noChangeAspect="1"/>
-          </p:cNvPicPr>
-          <p:nvPr/>
-        </p:nvPicPr>
-        <p:blipFill>
-          <a:blip r:embed="rId3"/>
-          <a:stretch>
-            <a:fillRect/>
-          </a:stretch>
-        </p:blipFill>
-        <p:spPr>
-          <a:xfrm>
-            <a:off x="173596" y="2353444"/>
-            <a:ext cx="4753638" cy="2591162"/>
-          </a:xfrm>
-          <a:prstGeom prst="rect">
-            <a:avLst/>
-          </a:prstGeom>
-        </p:spPr>
-      </p:pic>
-      <p:pic>
-        <p:nvPicPr>
-          <p:cNvPr id="5" name="图片 4"/>
-          <p:cNvPicPr>
-            <a:picLocks noChangeAspect="1"/>
-          </p:cNvPicPr>
-          <p:nvPr/>
-        </p:nvPicPr>
-        <p:blipFill>
-          <a:blip r:embed="rId4"/>
-          <a:stretch>
-            <a:fillRect/>
-          </a:stretch>
-        </p:blipFill>
-        <p:spPr>
-          <a:xfrm>
-            <a:off x="292821" y="2225567"/>
-            <a:ext cx="7034357" cy="3056219"/>
-          </a:xfrm>
-          <a:prstGeom prst="rect">
-            <a:avLst/>
-          </a:prstGeom>
-        </p:spPr>
-      </p:pic>
     </p:spTree>
     <p:extLst>
       <p:ext uri="{BB962C8B-B14F-4D97-AF65-F5344CB8AC3E}">
@@ -5672,6 +5634,9 @@
                     <p:cTn id="3" fill="hold">
                       <p:stCondLst>
                         <p:cond delay="indefinite"/>
+                        <p:cond evt="onBegin" delay="0">
+                          <p:tn val="2"/>
+                        </p:cond>
                       </p:stCondLst>
                       <p:childTnLst>
                         <p:par>
@@ -5681,7 +5646,7 @@
                             </p:stCondLst>
                             <p:childTnLst>
                               <p:par>
-                                <p:cTn id="5" presetID="10" presetClass="entr" presetSubtype="0" fill="hold" nodeType="clickEffect">
+                                <p:cTn id="5" presetID="10" presetClass="entr" presetSubtype="0" fill="hold" nodeType="afterEffect">
                                   <p:stCondLst>
                                     <p:cond delay="0"/>
                                   </p:stCondLst>
@@ -5771,6 +5736,42 @@
                             </p:childTnLst>
                           </p:cTn>
                         </p:par>
+                        <p:par>
+                          <p:cTn id="13" fill="hold">
+                            <p:stCondLst>
+                              <p:cond delay="500"/>
+                            </p:stCondLst>
+                            <p:childTnLst>
+                              <p:par>
+                                <p:cTn id="14" presetID="1" presetClass="entr" presetSubtype="0" fill="hold" grpId="0" nodeType="afterEffect">
+                                  <p:stCondLst>
+                                    <p:cond delay="0"/>
+                                  </p:stCondLst>
+                                  <p:childTnLst>
+                                    <p:set>
+                                      <p:cBhvr>
+                                        <p:cTn id="15" dur="1" fill="hold">
+                                          <p:stCondLst>
+                                            <p:cond delay="0"/>
+                                          </p:stCondLst>
+                                        </p:cTn>
+                                        <p:tgtEl>
+                                          <p:spTgt spid="3"/>
+                                        </p:tgtEl>
+                                        <p:attrNameLst>
+                                          <p:attrName>style.visibility</p:attrName>
+                                        </p:attrNameLst>
+                                      </p:cBhvr>
+                                      <p:to>
+                                        <p:strVal val="visible"/>
+                                      </p:to>
+                                    </p:set>
+                                  </p:childTnLst>
+                                </p:cTn>
+                              </p:par>
+                            </p:childTnLst>
+                          </p:cTn>
+                        </p:par>
                       </p:childTnLst>
                     </p:cTn>
                   </p:par>
@@ -5795,6 +5796,9 @@
         </p:cTn>
       </p:par>
     </p:tnLst>
+    <p:bldLst>
+      <p:bldP spid="3" grpId="0" animBg="1"/>
+    </p:bldLst>
   </p:timing>
 </p:sld>
 </file>
@@ -5994,14 +5998,6 @@
               </a:rPr>
               <a:t>定义</a:t>
             </a:r>
-            <a:endParaRPr lang="zh-CN" altLang="en-US" sz="3600" b="1" dirty="0">
-              <a:solidFill>
-                <a:srgbClr val="E94D1A"/>
-              </a:solidFill>
-              <a:latin typeface="微软雅黑" panose="020B0503020204020204" pitchFamily="34" charset="-122"/>
-              <a:ea typeface="微软雅黑" panose="020B0503020204020204" pitchFamily="34" charset="-122"/>
-              <a:sym typeface="微软雅黑" panose="020B0503020204020204" pitchFamily="34" charset="-122"/>
-            </a:endParaRPr>
           </a:p>
         </p:txBody>
       </p:sp>
@@ -10535,29 +10531,7 @@
                 <a:ea typeface="微软雅黑" panose="020B0503020204020204" pitchFamily="34" charset="-122"/>
                 <a:sym typeface="微软雅黑" panose="020B0503020204020204" pitchFamily="34" charset="-122"/>
               </a:rPr>
-              <a:t>：继</a:t>
-            </a:r>
-            <a:r>
-              <a:rPr lang="zh-CN" altLang="en-US" sz="2000" dirty="0" smtClean="0">
-                <a:solidFill>
-                  <a:srgbClr val="FFFFFF"/>
-                </a:solidFill>
-                <a:latin typeface="微软雅黑" panose="020B0503020204020204" pitchFamily="34" charset="-122"/>
-                <a:ea typeface="微软雅黑" panose="020B0503020204020204" pitchFamily="34" charset="-122"/>
-                <a:sym typeface="微软雅黑" panose="020B0503020204020204" pitchFamily="34" charset="-122"/>
-              </a:rPr>
-              <a:t>承、</a:t>
-            </a:r>
-            <a:r>
-              <a:rPr lang="zh-CN" altLang="en-US" sz="2000" dirty="0" smtClean="0">
-                <a:solidFill>
-                  <a:srgbClr val="FFFFFF"/>
-                </a:solidFill>
-                <a:latin typeface="微软雅黑" panose="020B0503020204020204" pitchFamily="34" charset="-122"/>
-                <a:ea typeface="微软雅黑" panose="020B0503020204020204" pitchFamily="34" charset="-122"/>
-                <a:sym typeface="微软雅黑" panose="020B0503020204020204" pitchFamily="34" charset="-122"/>
-              </a:rPr>
-              <a:t>重定义</a:t>
+              <a:t>：继承、重定义</a:t>
             </a:r>
             <a:endParaRPr lang="en-US" altLang="zh-CN" sz="2000" dirty="0" smtClean="0">
               <a:solidFill>
@@ -10783,6 +10757,30 @@
           </a:p>
         </p:txBody>
       </p:sp>
+      <p:pic>
+        <p:nvPicPr>
+          <p:cNvPr id="2" name="图片 1"/>
+          <p:cNvPicPr>
+            <a:picLocks noChangeAspect="1"/>
+          </p:cNvPicPr>
+          <p:nvPr/>
+        </p:nvPicPr>
+        <p:blipFill>
+          <a:blip r:embed="rId5"/>
+          <a:stretch>
+            <a:fillRect/>
+          </a:stretch>
+        </p:blipFill>
+        <p:spPr>
+          <a:xfrm>
+            <a:off x="4602088" y="1531879"/>
+            <a:ext cx="2936492" cy="3652563"/>
+          </a:xfrm>
+          <a:prstGeom prst="rect">
+            <a:avLst/>
+          </a:prstGeom>
+        </p:spPr>
+      </p:pic>
     </p:spTree>
     <p:extLst>
       <p:ext uri="{BB962C8B-B14F-4D97-AF65-F5344CB8AC3E}">
@@ -10799,7 +10797,124 @@
   <p:timing>
     <p:tnLst>
       <p:par>
-        <p:cTn id="1" dur="indefinite" restart="never" nodeType="tmRoot"/>
+        <p:cTn id="1" dur="indefinite" restart="never" nodeType="tmRoot">
+          <p:childTnLst>
+            <p:seq concurrent="1" nextAc="seek">
+              <p:cTn id="2" dur="indefinite" nodeType="mainSeq">
+                <p:childTnLst>
+                  <p:par>
+                    <p:cTn id="3" fill="hold">
+                      <p:stCondLst>
+                        <p:cond delay="indefinite"/>
+                        <p:cond evt="onBegin" delay="0">
+                          <p:tn val="2"/>
+                        </p:cond>
+                      </p:stCondLst>
+                      <p:childTnLst>
+                        <p:par>
+                          <p:cTn id="4" fill="hold">
+                            <p:stCondLst>
+                              <p:cond delay="0"/>
+                            </p:stCondLst>
+                            <p:childTnLst>
+                              <p:par>
+                                <p:cTn id="5" presetID="2" presetClass="entr" presetSubtype="2" fill="hold" nodeType="afterEffect">
+                                  <p:stCondLst>
+                                    <p:cond delay="1000"/>
+                                  </p:stCondLst>
+                                  <p:childTnLst>
+                                    <p:set>
+                                      <p:cBhvr>
+                                        <p:cTn id="6" dur="1" fill="hold">
+                                          <p:stCondLst>
+                                            <p:cond delay="0"/>
+                                          </p:stCondLst>
+                                        </p:cTn>
+                                        <p:tgtEl>
+                                          <p:spTgt spid="2"/>
+                                        </p:tgtEl>
+                                        <p:attrNameLst>
+                                          <p:attrName>style.visibility</p:attrName>
+                                        </p:attrNameLst>
+                                      </p:cBhvr>
+                                      <p:to>
+                                        <p:strVal val="visible"/>
+                                      </p:to>
+                                    </p:set>
+                                    <p:anim calcmode="lin" valueType="num">
+                                      <p:cBhvr additive="base">
+                                        <p:cTn id="7" dur="1000" fill="hold"/>
+                                        <p:tgtEl>
+                                          <p:spTgt spid="2"/>
+                                        </p:tgtEl>
+                                        <p:attrNameLst>
+                                          <p:attrName>ppt_x</p:attrName>
+                                        </p:attrNameLst>
+                                      </p:cBhvr>
+                                      <p:tavLst>
+                                        <p:tav tm="0">
+                                          <p:val>
+                                            <p:strVal val="1+#ppt_w/2"/>
+                                          </p:val>
+                                        </p:tav>
+                                        <p:tav tm="100000">
+                                          <p:val>
+                                            <p:strVal val="#ppt_x"/>
+                                          </p:val>
+                                        </p:tav>
+                                      </p:tavLst>
+                                    </p:anim>
+                                    <p:anim calcmode="lin" valueType="num">
+                                      <p:cBhvr additive="base">
+                                        <p:cTn id="8" dur="1000" fill="hold"/>
+                                        <p:tgtEl>
+                                          <p:spTgt spid="2"/>
+                                        </p:tgtEl>
+                                        <p:attrNameLst>
+                                          <p:attrName>ppt_y</p:attrName>
+                                        </p:attrNameLst>
+                                      </p:cBhvr>
+                                      <p:tavLst>
+                                        <p:tav tm="0">
+                                          <p:val>
+                                            <p:strVal val="#ppt_y"/>
+                                          </p:val>
+                                        </p:tav>
+                                        <p:tav tm="100000">
+                                          <p:val>
+                                            <p:strVal val="#ppt_y"/>
+                                          </p:val>
+                                        </p:tav>
+                                      </p:tavLst>
+                                    </p:anim>
+                                  </p:childTnLst>
+                                </p:cTn>
+                              </p:par>
+                            </p:childTnLst>
+                          </p:cTn>
+                        </p:par>
+                      </p:childTnLst>
+                    </p:cTn>
+                  </p:par>
+                </p:childTnLst>
+              </p:cTn>
+              <p:prevCondLst>
+                <p:cond evt="onPrev" delay="0">
+                  <p:tgtEl>
+                    <p:sldTgt/>
+                  </p:tgtEl>
+                </p:cond>
+              </p:prevCondLst>
+              <p:nextCondLst>
+                <p:cond evt="onNext" delay="0">
+                  <p:tgtEl>
+                    <p:sldTgt/>
+                  </p:tgtEl>
+                </p:cond>
+              </p:nextCondLst>
+            </p:seq>
+          </p:childTnLst>
+        </p:cTn>
       </p:par>
     </p:tnLst>
   </p:timing>

--- a/2009_15PB_Tanker_CPP.pptx
+++ b/2009_15PB_Tanker_CPP.pptx
@@ -5035,7 +5035,7 @@
   <p:clrMapOvr>
     <a:masterClrMapping/>
   </p:clrMapOvr>
-  <p:transition>
+  <p:transition advClick="0">
     <p:dissolve/>
   </p:transition>
   <p:timing>
@@ -7500,7 +7500,7 @@
               </a:lnSpc>
             </a:pPr>
             <a:r>
-              <a:rPr lang="en-US" altLang="zh-CN" sz="2000" dirty="0">
+              <a:rPr lang="en-US" altLang="zh-CN" sz="2000" dirty="0" smtClean="0">
                 <a:solidFill>
                   <a:srgbClr val="FFFFFF"/>
                 </a:solidFill>
@@ -7511,6 +7511,17 @@
               <a:t>1. </a:t>
             </a:r>
             <a:r>
+              <a:rPr lang="zh-CN" altLang="en-US" sz="2000" dirty="0" smtClean="0">
+                <a:solidFill>
+                  <a:srgbClr val="FFFFFF"/>
+                </a:solidFill>
+                <a:latin typeface="微软雅黑" panose="020B0503020204020204" pitchFamily="34" charset="-122"/>
+                <a:ea typeface="微软雅黑" panose="020B0503020204020204" pitchFamily="34" charset="-122"/>
+                <a:sym typeface="微软雅黑" panose="020B0503020204020204" pitchFamily="34" charset="-122"/>
+              </a:rPr>
+              <a:t>操</a:t>
+            </a:r>
+            <a:r>
               <a:rPr lang="zh-CN" altLang="en-US" sz="2000" dirty="0">
                 <a:solidFill>
                   <a:srgbClr val="FFFFFF"/>
@@ -7519,7 +7530,7 @@
                 <a:ea typeface="微软雅黑" panose="020B0503020204020204" pitchFamily="34" charset="-122"/>
                 <a:sym typeface="微软雅黑" panose="020B0503020204020204" pitchFamily="34" charset="-122"/>
               </a:rPr>
-              <a:t>操作介绍：</a:t>
+              <a:t>作介绍：</a:t>
             </a:r>
             <a:r>
               <a:rPr lang="en-US" altLang="zh-CN" sz="2000" dirty="0">
@@ -7764,6 +7775,141 @@
                 <a:sym typeface="微软雅黑" panose="020B0503020204020204" pitchFamily="34" charset="-122"/>
               </a:rPr>
               <a:t>。</a:t>
+            </a:r>
+            <a:endParaRPr lang="en-US" altLang="zh-CN" sz="2000" dirty="0" smtClean="0">
+              <a:solidFill>
+                <a:srgbClr val="FFFFFF"/>
+              </a:solidFill>
+              <a:latin typeface="微软雅黑" panose="020B0503020204020204" pitchFamily="34" charset="-122"/>
+              <a:ea typeface="微软雅黑" panose="020B0503020204020204" pitchFamily="34" charset="-122"/>
+              <a:sym typeface="微软雅黑" panose="020B0503020204020204" pitchFamily="34" charset="-122"/>
+            </a:endParaRPr>
+          </a:p>
+          <a:p>
+            <a:pPr>
+              <a:lnSpc>
+                <a:spcPct val="150000"/>
+              </a:lnSpc>
+            </a:pPr>
+            <a:r>
+              <a:rPr lang="en-US" altLang="zh-CN" sz="2000" dirty="0" smtClean="0">
+                <a:solidFill>
+                  <a:srgbClr val="FFFFFF"/>
+                </a:solidFill>
+                <a:latin typeface="微软雅黑" panose="020B0503020204020204" pitchFamily="34" charset="-122"/>
+                <a:ea typeface="微软雅黑" panose="020B0503020204020204" pitchFamily="34" charset="-122"/>
+                <a:sym typeface="微软雅黑" panose="020B0503020204020204" pitchFamily="34" charset="-122"/>
+              </a:rPr>
+              <a:t>2. </a:t>
+            </a:r>
+            <a:r>
+              <a:rPr lang="zh-CN" altLang="en-US" sz="2000" dirty="0" smtClean="0">
+                <a:solidFill>
+                  <a:srgbClr val="FFFFFF"/>
+                </a:solidFill>
+                <a:latin typeface="微软雅黑" panose="020B0503020204020204" pitchFamily="34" charset="-122"/>
+                <a:ea typeface="微软雅黑" panose="020B0503020204020204" pitchFamily="34" charset="-122"/>
+                <a:sym typeface="微软雅黑" panose="020B0503020204020204" pitchFamily="34" charset="-122"/>
+              </a:rPr>
+              <a:t>游</a:t>
+            </a:r>
+            <a:r>
+              <a:rPr lang="zh-CN" altLang="en-US" sz="2000" dirty="0">
+                <a:solidFill>
+                  <a:srgbClr val="FFFFFF"/>
+                </a:solidFill>
+                <a:latin typeface="微软雅黑" panose="020B0503020204020204" pitchFamily="34" charset="-122"/>
+                <a:ea typeface="微软雅黑" panose="020B0503020204020204" pitchFamily="34" charset="-122"/>
+                <a:sym typeface="微软雅黑" panose="020B0503020204020204" pitchFamily="34" charset="-122"/>
+              </a:rPr>
+              <a:t>戏暂停：按</a:t>
+            </a:r>
+            <a:r>
+              <a:rPr lang="en-US" altLang="zh-CN" sz="2000" dirty="0">
+                <a:solidFill>
+                  <a:srgbClr val="FFFFFF"/>
+                </a:solidFill>
+                <a:effectLst>
+                  <a:glow rad="228600">
+                    <a:schemeClr val="bg1">
+                      <a:alpha val="40000"/>
+                    </a:schemeClr>
+                  </a:glow>
+                </a:effectLst>
+                <a:latin typeface="微软雅黑" panose="020B0503020204020204" pitchFamily="34" charset="-122"/>
+                <a:ea typeface="微软雅黑" panose="020B0503020204020204" pitchFamily="34" charset="-122"/>
+                <a:sym typeface="微软雅黑" panose="020B0503020204020204" pitchFamily="34" charset="-122"/>
+              </a:rPr>
+              <a:t>P</a:t>
+            </a:r>
+            <a:r>
+              <a:rPr lang="zh-CN" altLang="en-US" sz="2000" dirty="0">
+                <a:solidFill>
+                  <a:srgbClr val="FFFFFF"/>
+                </a:solidFill>
+                <a:latin typeface="微软雅黑" panose="020B0503020204020204" pitchFamily="34" charset="-122"/>
+                <a:ea typeface="微软雅黑" panose="020B0503020204020204" pitchFamily="34" charset="-122"/>
+                <a:sym typeface="微软雅黑" panose="020B0503020204020204" pitchFamily="34" charset="-122"/>
+              </a:rPr>
+              <a:t>暂停时可</a:t>
+            </a:r>
+            <a:r>
+              <a:rPr lang="zh-CN" altLang="en-US" sz="2000" dirty="0">
+                <a:solidFill>
+                  <a:srgbClr val="FFFFFF"/>
+                </a:solidFill>
+                <a:effectLst>
+                  <a:glow rad="228600">
+                    <a:schemeClr val="bg1">
+                      <a:alpha val="40000"/>
+                    </a:schemeClr>
+                  </a:glow>
+                </a:effectLst>
+                <a:latin typeface="微软雅黑" panose="020B0503020204020204" pitchFamily="34" charset="-122"/>
+                <a:ea typeface="微软雅黑" panose="020B0503020204020204" pitchFamily="34" charset="-122"/>
+                <a:sym typeface="微软雅黑" panose="020B0503020204020204" pitchFamily="34" charset="-122"/>
+              </a:rPr>
+              <a:t>保存</a:t>
+            </a:r>
+            <a:r>
+              <a:rPr lang="zh-CN" altLang="en-US" sz="2000" dirty="0">
+                <a:solidFill>
+                  <a:srgbClr val="FFFFFF"/>
+                </a:solidFill>
+                <a:latin typeface="微软雅黑" panose="020B0503020204020204" pitchFamily="34" charset="-122"/>
+                <a:ea typeface="微软雅黑" panose="020B0503020204020204" pitchFamily="34" charset="-122"/>
+                <a:sym typeface="微软雅黑" panose="020B0503020204020204" pitchFamily="34" charset="-122"/>
+              </a:rPr>
+              <a:t>游戏，主界面可</a:t>
+            </a:r>
+            <a:r>
+              <a:rPr lang="zh-CN" altLang="en-US" sz="2000" dirty="0">
+                <a:solidFill>
+                  <a:srgbClr val="FFFFFF"/>
+                </a:solidFill>
+                <a:effectLst>
+                  <a:glow rad="228600">
+                    <a:schemeClr val="bg1">
+                      <a:alpha val="40000"/>
+                    </a:schemeClr>
+                  </a:glow>
+                </a:effectLst>
+                <a:latin typeface="微软雅黑" panose="020B0503020204020204" pitchFamily="34" charset="-122"/>
+                <a:ea typeface="微软雅黑" panose="020B0503020204020204" pitchFamily="34" charset="-122"/>
+                <a:sym typeface="微软雅黑" panose="020B0503020204020204" pitchFamily="34" charset="-122"/>
+              </a:rPr>
+              <a:t>读取</a:t>
+            </a:r>
+            <a:r>
+              <a:rPr lang="zh-CN" altLang="en-US" sz="2000" dirty="0">
+                <a:solidFill>
+                  <a:srgbClr val="FFFFFF"/>
+                </a:solidFill>
+                <a:latin typeface="微软雅黑" panose="020B0503020204020204" pitchFamily="34" charset="-122"/>
+                <a:ea typeface="微软雅黑" panose="020B0503020204020204" pitchFamily="34" charset="-122"/>
+                <a:sym typeface="微软雅黑" panose="020B0503020204020204" pitchFamily="34" charset="-122"/>
+              </a:rPr>
+              <a:t>游戏</a:t>
             </a:r>
             <a:endParaRPr lang="en-US" altLang="zh-CN" sz="2000" dirty="0">
               <a:solidFill>
@@ -7781,15 +7927,15 @@
               </a:lnSpc>
             </a:pPr>
             <a:r>
-              <a:rPr lang="en-US" altLang="zh-CN" sz="2000" dirty="0">
-                <a:solidFill>
-                  <a:srgbClr val="FFFFFF"/>
-                </a:solidFill>
-                <a:latin typeface="微软雅黑" panose="020B0503020204020204" pitchFamily="34" charset="-122"/>
-                <a:ea typeface="微软雅黑" panose="020B0503020204020204" pitchFamily="34" charset="-122"/>
-                <a:sym typeface="微软雅黑" panose="020B0503020204020204" pitchFamily="34" charset="-122"/>
-              </a:rPr>
-              <a:t>2. </a:t>
+              <a:rPr lang="en-US" altLang="zh-CN" sz="2000" dirty="0" smtClean="0">
+                <a:solidFill>
+                  <a:srgbClr val="FFFFFF"/>
+                </a:solidFill>
+                <a:latin typeface="微软雅黑" panose="020B0503020204020204" pitchFamily="34" charset="-122"/>
+                <a:ea typeface="微软雅黑" panose="020B0503020204020204" pitchFamily="34" charset="-122"/>
+                <a:sym typeface="微软雅黑" panose="020B0503020204020204" pitchFamily="34" charset="-122"/>
+              </a:rPr>
+              <a:t>3. </a:t>
             </a:r>
             <a:r>
               <a:rPr lang="zh-CN" altLang="en-US" sz="2000" dirty="0" smtClean="0">
@@ -7906,7 +8052,18 @@
                 <a:ea typeface="微软雅黑" panose="020B0503020204020204" pitchFamily="34" charset="-122"/>
                 <a:sym typeface="微软雅黑" panose="020B0503020204020204" pitchFamily="34" charset="-122"/>
               </a:rPr>
-              <a:t>3. </a:t>
+              <a:t>4</a:t>
+            </a:r>
+            <a:r>
+              <a:rPr lang="en-US" altLang="zh-CN" sz="2000" dirty="0" smtClean="0">
+                <a:solidFill>
+                  <a:srgbClr val="FFFFFF"/>
+                </a:solidFill>
+                <a:latin typeface="微软雅黑" panose="020B0503020204020204" pitchFamily="34" charset="-122"/>
+                <a:ea typeface="微软雅黑" panose="020B0503020204020204" pitchFamily="34" charset="-122"/>
+                <a:sym typeface="微软雅黑" panose="020B0503020204020204" pitchFamily="34" charset="-122"/>
+              </a:rPr>
+              <a:t>. </a:t>
             </a:r>
             <a:r>
               <a:rPr lang="zh-CN" altLang="en-US" sz="2000" dirty="0" smtClean="0">
@@ -8047,6 +8204,17 @@
               </a:lnSpc>
             </a:pPr>
             <a:r>
+              <a:rPr lang="en-US" altLang="zh-CN" sz="2000" dirty="0">
+                <a:solidFill>
+                  <a:srgbClr val="FFFFFF"/>
+                </a:solidFill>
+                <a:latin typeface="微软雅黑" panose="020B0503020204020204" pitchFamily="34" charset="-122"/>
+                <a:ea typeface="微软雅黑" panose="020B0503020204020204" pitchFamily="34" charset="-122"/>
+                <a:sym typeface="微软雅黑" panose="020B0503020204020204" pitchFamily="34" charset="-122"/>
+              </a:rPr>
+              <a:t>5</a:t>
+            </a:r>
+            <a:r>
               <a:rPr lang="en-US" altLang="zh-CN" sz="2000" dirty="0" smtClean="0">
                 <a:solidFill>
                   <a:srgbClr val="FFFFFF"/>
@@ -8055,7 +8223,7 @@
                 <a:ea typeface="微软雅黑" panose="020B0503020204020204" pitchFamily="34" charset="-122"/>
                 <a:sym typeface="微软雅黑" panose="020B0503020204020204" pitchFamily="34" charset="-122"/>
               </a:rPr>
-              <a:t>4. </a:t>
+              <a:t>. </a:t>
             </a:r>
             <a:r>
               <a:rPr lang="zh-CN" altLang="en-US" sz="2000" dirty="0" smtClean="0">
@@ -8171,6 +8339,17 @@
               </a:lnSpc>
             </a:pPr>
             <a:r>
+              <a:rPr lang="en-US" altLang="zh-CN" sz="2000" dirty="0">
+                <a:solidFill>
+                  <a:srgbClr val="FFFFFF"/>
+                </a:solidFill>
+                <a:latin typeface="微软雅黑" panose="020B0503020204020204" pitchFamily="34" charset="-122"/>
+                <a:ea typeface="微软雅黑" panose="020B0503020204020204" pitchFamily="34" charset="-122"/>
+                <a:sym typeface="微软雅黑" panose="020B0503020204020204" pitchFamily="34" charset="-122"/>
+              </a:rPr>
+              <a:t>6</a:t>
+            </a:r>
+            <a:r>
               <a:rPr lang="en-US" altLang="zh-CN" sz="2000" dirty="0" smtClean="0">
                 <a:solidFill>
                   <a:srgbClr val="FFFFFF"/>
@@ -8179,7 +8358,7 @@
                 <a:ea typeface="微软雅黑" panose="020B0503020204020204" pitchFamily="34" charset="-122"/>
                 <a:sym typeface="微软雅黑" panose="020B0503020204020204" pitchFamily="34" charset="-122"/>
               </a:rPr>
-              <a:t>5. </a:t>
+              <a:t>. </a:t>
             </a:r>
             <a:r>
               <a:rPr lang="zh-CN" altLang="en-US" sz="2000" dirty="0" smtClean="0">
@@ -8499,130 +8678,6 @@
               <a:t>。</a:t>
             </a:r>
             <a:endParaRPr lang="en-US" altLang="zh-CN" sz="2000" dirty="0" smtClean="0">
-              <a:solidFill>
-                <a:srgbClr val="FFFFFF"/>
-              </a:solidFill>
-              <a:latin typeface="微软雅黑" panose="020B0503020204020204" pitchFamily="34" charset="-122"/>
-              <a:ea typeface="微软雅黑" panose="020B0503020204020204" pitchFamily="34" charset="-122"/>
-              <a:sym typeface="微软雅黑" panose="020B0503020204020204" pitchFamily="34" charset="-122"/>
-            </a:endParaRPr>
-          </a:p>
-          <a:p>
-            <a:pPr>
-              <a:lnSpc>
-                <a:spcPct val="150000"/>
-              </a:lnSpc>
-            </a:pPr>
-            <a:r>
-              <a:rPr lang="en-US" altLang="zh-CN" sz="2000" dirty="0" smtClean="0">
-                <a:solidFill>
-                  <a:srgbClr val="FFFFFF"/>
-                </a:solidFill>
-                <a:latin typeface="微软雅黑" panose="020B0503020204020204" pitchFamily="34" charset="-122"/>
-                <a:ea typeface="微软雅黑" panose="020B0503020204020204" pitchFamily="34" charset="-122"/>
-                <a:sym typeface="微软雅黑" panose="020B0503020204020204" pitchFamily="34" charset="-122"/>
-              </a:rPr>
-              <a:t>6. </a:t>
-            </a:r>
-            <a:r>
-              <a:rPr lang="zh-CN" altLang="en-US" sz="2000" dirty="0" smtClean="0">
-                <a:solidFill>
-                  <a:srgbClr val="FFFFFF"/>
-                </a:solidFill>
-                <a:latin typeface="微软雅黑" panose="020B0503020204020204" pitchFamily="34" charset="-122"/>
-                <a:ea typeface="微软雅黑" panose="020B0503020204020204" pitchFamily="34" charset="-122"/>
-                <a:sym typeface="微软雅黑" panose="020B0503020204020204" pitchFamily="34" charset="-122"/>
-              </a:rPr>
-              <a:t>游戏暂停：按</a:t>
-            </a:r>
-            <a:r>
-              <a:rPr lang="en-US" altLang="zh-CN" sz="2000" dirty="0">
-                <a:solidFill>
-                  <a:srgbClr val="FFFFFF"/>
-                </a:solidFill>
-                <a:effectLst>
-                  <a:glow rad="228600">
-                    <a:schemeClr val="bg1">
-                      <a:alpha val="40000"/>
-                    </a:schemeClr>
-                  </a:glow>
-                </a:effectLst>
-                <a:latin typeface="微软雅黑" panose="020B0503020204020204" pitchFamily="34" charset="-122"/>
-                <a:ea typeface="微软雅黑" panose="020B0503020204020204" pitchFamily="34" charset="-122"/>
-                <a:sym typeface="微软雅黑" panose="020B0503020204020204" pitchFamily="34" charset="-122"/>
-              </a:rPr>
-              <a:t>P</a:t>
-            </a:r>
-            <a:r>
-              <a:rPr lang="zh-CN" altLang="en-US" sz="2000" dirty="0" smtClean="0">
-                <a:solidFill>
-                  <a:srgbClr val="FFFFFF"/>
-                </a:solidFill>
-                <a:latin typeface="微软雅黑" panose="020B0503020204020204" pitchFamily="34" charset="-122"/>
-                <a:ea typeface="微软雅黑" panose="020B0503020204020204" pitchFamily="34" charset="-122"/>
-                <a:sym typeface="微软雅黑" panose="020B0503020204020204" pitchFamily="34" charset="-122"/>
-              </a:rPr>
-              <a:t>暂停时可</a:t>
-            </a:r>
-            <a:r>
-              <a:rPr lang="zh-CN" altLang="en-US" sz="2000" dirty="0">
-                <a:solidFill>
-                  <a:srgbClr val="FFFFFF"/>
-                </a:solidFill>
-                <a:effectLst>
-                  <a:glow rad="228600">
-                    <a:schemeClr val="bg1">
-                      <a:alpha val="40000"/>
-                    </a:schemeClr>
-                  </a:glow>
-                </a:effectLst>
-                <a:latin typeface="微软雅黑" panose="020B0503020204020204" pitchFamily="34" charset="-122"/>
-                <a:ea typeface="微软雅黑" panose="020B0503020204020204" pitchFamily="34" charset="-122"/>
-                <a:sym typeface="微软雅黑" panose="020B0503020204020204" pitchFamily="34" charset="-122"/>
-              </a:rPr>
-              <a:t>保存</a:t>
-            </a:r>
-            <a:r>
-              <a:rPr lang="zh-CN" altLang="en-US" sz="2000" dirty="0" smtClean="0">
-                <a:solidFill>
-                  <a:srgbClr val="FFFFFF"/>
-                </a:solidFill>
-                <a:latin typeface="微软雅黑" panose="020B0503020204020204" pitchFamily="34" charset="-122"/>
-                <a:ea typeface="微软雅黑" panose="020B0503020204020204" pitchFamily="34" charset="-122"/>
-                <a:sym typeface="微软雅黑" panose="020B0503020204020204" pitchFamily="34" charset="-122"/>
-              </a:rPr>
-              <a:t>游戏，主界面可</a:t>
-            </a:r>
-            <a:r>
-              <a:rPr lang="zh-CN" altLang="en-US" sz="2000" dirty="0">
-                <a:solidFill>
-                  <a:srgbClr val="FFFFFF"/>
-                </a:solidFill>
-                <a:effectLst>
-                  <a:glow rad="228600">
-                    <a:schemeClr val="bg1">
-                      <a:alpha val="40000"/>
-                    </a:schemeClr>
-                  </a:glow>
-                </a:effectLst>
-                <a:latin typeface="微软雅黑" panose="020B0503020204020204" pitchFamily="34" charset="-122"/>
-                <a:ea typeface="微软雅黑" panose="020B0503020204020204" pitchFamily="34" charset="-122"/>
-                <a:sym typeface="微软雅黑" panose="020B0503020204020204" pitchFamily="34" charset="-122"/>
-              </a:rPr>
-              <a:t>读取</a:t>
-            </a:r>
-            <a:r>
-              <a:rPr lang="zh-CN" altLang="en-US" sz="2000" dirty="0" smtClean="0">
-                <a:solidFill>
-                  <a:srgbClr val="FFFFFF"/>
-                </a:solidFill>
-                <a:latin typeface="微软雅黑" panose="020B0503020204020204" pitchFamily="34" charset="-122"/>
-                <a:ea typeface="微软雅黑" panose="020B0503020204020204" pitchFamily="34" charset="-122"/>
-                <a:sym typeface="微软雅黑" panose="020B0503020204020204" pitchFamily="34" charset="-122"/>
-              </a:rPr>
-              <a:t>游戏。</a:t>
-            </a:r>
-            <a:endParaRPr lang="zh-CN" altLang="en-US" sz="2000" dirty="0">
               <a:solidFill>
                 <a:srgbClr val="FFFFFF"/>
               </a:solidFill>
@@ -10460,7 +10515,51 @@
                 <a:ea typeface="微软雅黑" panose="020B0503020204020204" pitchFamily="34" charset="-122"/>
                 <a:sym typeface="微软雅黑" panose="020B0503020204020204" pitchFamily="34" charset="-122"/>
               </a:rPr>
-              <a:t>：与坦克类友元、重载</a:t>
+              <a:t>：与坦克类友</a:t>
+            </a:r>
+            <a:r>
+              <a:rPr lang="zh-CN" altLang="en-US" sz="2000" dirty="0" smtClean="0">
+                <a:solidFill>
+                  <a:srgbClr val="FFFFFF"/>
+                </a:solidFill>
+                <a:latin typeface="微软雅黑" panose="020B0503020204020204" pitchFamily="34" charset="-122"/>
+                <a:ea typeface="微软雅黑" panose="020B0503020204020204" pitchFamily="34" charset="-122"/>
+                <a:sym typeface="微软雅黑" panose="020B0503020204020204" pitchFamily="34" charset="-122"/>
+              </a:rPr>
+              <a:t>元</a:t>
+            </a:r>
+            <a:r>
+              <a:rPr lang="zh-CN" altLang="en-US" sz="2000" dirty="0">
+                <a:solidFill>
+                  <a:srgbClr val="FFFFFF"/>
+                </a:solidFill>
+                <a:latin typeface="微软雅黑" panose="020B0503020204020204" pitchFamily="34" charset="-122"/>
+                <a:ea typeface="微软雅黑" panose="020B0503020204020204" pitchFamily="34" charset="-122"/>
+                <a:sym typeface="微软雅黑" panose="020B0503020204020204" pitchFamily="34" charset="-122"/>
+              </a:rPr>
+              <a:t>；</a:t>
+            </a:r>
+            <a:r>
+              <a:rPr lang="zh-CN" altLang="en-US" sz="2000" dirty="0" smtClean="0">
+                <a:solidFill>
+                  <a:srgbClr val="FFFFFF"/>
+                </a:solidFill>
+                <a:latin typeface="微软雅黑" panose="020B0503020204020204" pitchFamily="34" charset="-122"/>
+                <a:ea typeface="微软雅黑" panose="020B0503020204020204" pitchFamily="34" charset="-122"/>
+                <a:sym typeface="微软雅黑" panose="020B0503020204020204" pitchFamily="34" charset="-122"/>
+              </a:rPr>
+              <a:t>重</a:t>
+            </a:r>
+            <a:r>
+              <a:rPr lang="zh-CN" altLang="en-US" sz="2000" dirty="0" smtClean="0">
+                <a:solidFill>
+                  <a:srgbClr val="FFFFFF"/>
+                </a:solidFill>
+                <a:latin typeface="微软雅黑" panose="020B0503020204020204" pitchFamily="34" charset="-122"/>
+                <a:ea typeface="微软雅黑" panose="020B0503020204020204" pitchFamily="34" charset="-122"/>
+                <a:sym typeface="微软雅黑" panose="020B0503020204020204" pitchFamily="34" charset="-122"/>
+              </a:rPr>
+              <a:t>载</a:t>
             </a:r>
             <a:endParaRPr lang="zh-CN" altLang="en-US" sz="2000" dirty="0">
               <a:solidFill>
@@ -10797,124 +10896,7 @@
   <p:timing>
     <p:tnLst>
       <p:par>
-        <p:cTn id="1" dur="indefinite" restart="never" nodeType="tmRoot">
-          <p:childTnLst>
-            <p:seq concurrent="1" nextAc="seek">
-              <p:cTn id="2" dur="indefinite" nodeType="mainSeq">
-                <p:childTnLst>
-                  <p:par>
-                    <p:cTn id="3" fill="hold">
-                      <p:stCondLst>
-                        <p:cond delay="indefinite"/>
-                        <p:cond evt="onBegin" delay="0">
-                          <p:tn val="2"/>
-                        </p:cond>
-                      </p:stCondLst>
-                      <p:childTnLst>
-                        <p:par>
-                          <p:cTn id="4" fill="hold">
-                            <p:stCondLst>
-                              <p:cond delay="0"/>
-                            </p:stCondLst>
-                            <p:childTnLst>
-                              <p:par>
-                                <p:cTn id="5" presetID="2" presetClass="entr" presetSubtype="2" fill="hold" nodeType="afterEffect">
-                                  <p:stCondLst>
-                                    <p:cond delay="1000"/>
-                                  </p:stCondLst>
-                                  <p:childTnLst>
-                                    <p:set>
-                                      <p:cBhvr>
-                                        <p:cTn id="6" dur="1" fill="hold">
-                                          <p:stCondLst>
-                                            <p:cond delay="0"/>
-                                          </p:stCondLst>
-                                        </p:cTn>
-                                        <p:tgtEl>
-                                          <p:spTgt spid="2"/>
-                                        </p:tgtEl>
-                                        <p:attrNameLst>
-                                          <p:attrName>style.visibility</p:attrName>
-                                        </p:attrNameLst>
-                                      </p:cBhvr>
-                                      <p:to>
-                                        <p:strVal val="visible"/>
-                                      </p:to>
-                                    </p:set>
-                                    <p:anim calcmode="lin" valueType="num">
-                                      <p:cBhvr additive="base">
-                                        <p:cTn id="7" dur="1000" fill="hold"/>
-                                        <p:tgtEl>
-                                          <p:spTgt spid="2"/>
-                                        </p:tgtEl>
-                                        <p:attrNameLst>
-                                          <p:attrName>ppt_x</p:attrName>
-                                        </p:attrNameLst>
-                                      </p:cBhvr>
-                                      <p:tavLst>
-                                        <p:tav tm="0">
-                                          <p:val>
-                                            <p:strVal val="1+#ppt_w/2"/>
-                                          </p:val>
-                                        </p:tav>
-                                        <p:tav tm="100000">
-                                          <p:val>
-                                            <p:strVal val="#ppt_x"/>
-                                          </p:val>
-                                        </p:tav>
-                                      </p:tavLst>
-                                    </p:anim>
-                                    <p:anim calcmode="lin" valueType="num">
-                                      <p:cBhvr additive="base">
-                                        <p:cTn id="8" dur="1000" fill="hold"/>
-                                        <p:tgtEl>
-                                          <p:spTgt spid="2"/>
-                                        </p:tgtEl>
-                                        <p:attrNameLst>
-                                          <p:attrName>ppt_y</p:attrName>
-                                        </p:attrNameLst>
-                                      </p:cBhvr>
-                                      <p:tavLst>
-                                        <p:tav tm="0">
-                                          <p:val>
-                                            <p:strVal val="#ppt_y"/>
-                                          </p:val>
-                                        </p:tav>
-                                        <p:tav tm="100000">
-                                          <p:val>
-                                            <p:strVal val="#ppt_y"/>
-                                          </p:val>
-                                        </p:tav>
-                                      </p:tavLst>
-                                    </p:anim>
-                                  </p:childTnLst>
-                                </p:cTn>
-                              </p:par>
-                            </p:childTnLst>
-                          </p:cTn>
-                        </p:par>
-                      </p:childTnLst>
-                    </p:cTn>
-                  </p:par>
-                </p:childTnLst>
-              </p:cTn>
-              <p:prevCondLst>
-                <p:cond evt="onPrev" delay="0">
-                  <p:tgtEl>
-                    <p:sldTgt/>
-                  </p:tgtEl>
-                </p:cond>
-              </p:prevCondLst>
-              <p:nextCondLst>
-                <p:cond evt="onNext" delay="0">
-                  <p:tgtEl>
-                    <p:sldTgt/>
-                  </p:tgtEl>
-                </p:cond>
-              </p:nextCondLst>
-            </p:seq>
-          </p:childTnLst>
-        </p:cTn>
+        <p:cTn id="1" dur="indefinite" restart="never" nodeType="tmRoot"/>
       </p:par>
     </p:tnLst>
   </p:timing>
@@ -11931,9 +11913,64 @@
                 <a:ea typeface="微软雅黑" panose="020B0503020204020204" pitchFamily="34" charset="-122"/>
                 <a:sym typeface="微软雅黑" panose="020B0503020204020204" pitchFamily="34" charset="-122"/>
               </a:rPr>
-              <a:t>码编写还是讲究量：编写多个版本的项目，逐渐优化。</a:t>
-            </a:r>
-            <a:endParaRPr lang="zh-CN" altLang="en-US" sz="2000" dirty="0">
+              <a:t>码编写还是讲究量：编写多个版本的项目，逐渐优化</a:t>
+            </a:r>
+            <a:r>
+              <a:rPr lang="zh-CN" altLang="en-US" sz="2000" dirty="0" smtClean="0">
+                <a:solidFill>
+                  <a:srgbClr val="FFFFFF"/>
+                </a:solidFill>
+                <a:latin typeface="微软雅黑" panose="020B0503020204020204" pitchFamily="34" charset="-122"/>
+                <a:ea typeface="微软雅黑" panose="020B0503020204020204" pitchFamily="34" charset="-122"/>
+                <a:sym typeface="微软雅黑" panose="020B0503020204020204" pitchFamily="34" charset="-122"/>
+              </a:rPr>
+              <a:t>。</a:t>
+            </a:r>
+            <a:endParaRPr lang="en-US" altLang="zh-CN" sz="2000" dirty="0" smtClean="0">
+              <a:solidFill>
+                <a:srgbClr val="FFFFFF"/>
+              </a:solidFill>
+              <a:latin typeface="微软雅黑" panose="020B0503020204020204" pitchFamily="34" charset="-122"/>
+              <a:ea typeface="微软雅黑" panose="020B0503020204020204" pitchFamily="34" charset="-122"/>
+              <a:sym typeface="微软雅黑" panose="020B0503020204020204" pitchFamily="34" charset="-122"/>
+            </a:endParaRPr>
+          </a:p>
+          <a:p>
+            <a:r>
+              <a:rPr lang="en-US" altLang="zh-CN" sz="2000" dirty="0" smtClean="0">
+                <a:solidFill>
+                  <a:srgbClr val="FFFFFF"/>
+                </a:solidFill>
+                <a:latin typeface="微软雅黑" panose="020B0503020204020204" pitchFamily="34" charset="-122"/>
+                <a:ea typeface="微软雅黑" panose="020B0503020204020204" pitchFamily="34" charset="-122"/>
+                <a:sym typeface="微软雅黑" panose="020B0503020204020204" pitchFamily="34" charset="-122"/>
+              </a:rPr>
+              <a:t>5. </a:t>
+            </a:r>
+            <a:r>
+              <a:rPr lang="zh-CN" altLang="en-US" sz="2000" dirty="0" smtClean="0">
+                <a:solidFill>
+                  <a:srgbClr val="FFFFFF"/>
+                </a:solidFill>
+                <a:latin typeface="微软雅黑" panose="020B0503020204020204" pitchFamily="34" charset="-122"/>
+                <a:ea typeface="微软雅黑" panose="020B0503020204020204" pitchFamily="34" charset="-122"/>
+                <a:sym typeface="微软雅黑" panose="020B0503020204020204" pitchFamily="34" charset="-122"/>
+              </a:rPr>
+              <a:t>开源地址：</a:t>
+            </a:r>
+            <a:r>
+              <a:rPr lang="en-US" altLang="zh-CN" dirty="0" smtClean="0">
+                <a:hlinkClick r:id="rId2"/>
+              </a:rPr>
+              <a:t>https</a:t>
+            </a:r>
+            <a:r>
+              <a:rPr lang="en-US" altLang="zh-CN" dirty="0">
+                <a:hlinkClick r:id="rId2"/>
+              </a:rPr>
+              <a:t>://github.com/mhw666/2009_15PB_Tanker_CPP</a:t>
+            </a:r>
+            <a:endParaRPr lang="zh-CN" altLang="en-US" dirty="0">
               <a:solidFill>
                 <a:srgbClr val="FFFFFF"/>
               </a:solidFill>
@@ -12037,7 +12074,94 @@
   <p:timing>
     <p:tnLst>
       <p:par>
-        <p:cTn id="1" dur="indefinite" restart="never" nodeType="tmRoot"/>
+        <p:cTn id="1" dur="indefinite" restart="never" nodeType="tmRoot">
+          <p:childTnLst>
+            <p:seq concurrent="1" nextAc="seek">
+              <p:cTn id="2" dur="indefinite" nodeType="mainSeq">
+                <p:childTnLst>
+                  <p:par>
+                    <p:cTn id="3" fill="hold">
+                      <p:stCondLst>
+                        <p:cond delay="indefinite"/>
+                        <p:cond evt="onBegin" delay="0">
+                          <p:tn val="2"/>
+                        </p:cond>
+                      </p:stCondLst>
+                      <p:childTnLst>
+                        <p:par>
+                          <p:cTn id="4" fill="hold">
+                            <p:stCondLst>
+                              <p:cond delay="0"/>
+                            </p:stCondLst>
+                            <p:childTnLst>
+                              <p:par>
+                                <p:cTn id="5" presetID="10" presetClass="entr" presetSubtype="0" fill="hold" nodeType="afterEffect">
+                                  <p:stCondLst>
+                                    <p:cond delay="0"/>
+                                  </p:stCondLst>
+                                  <p:childTnLst>
+                                    <p:set>
+                                      <p:cBhvr>
+                                        <p:cTn id="6" dur="1" fill="hold">
+                                          <p:stCondLst>
+                                            <p:cond delay="0"/>
+                                          </p:stCondLst>
+                                        </p:cTn>
+                                        <p:tgtEl>
+                                          <p:spTgt spid="4098">
+                                            <p:txEl>
+                                              <p:pRg st="7" end="7"/>
+                                            </p:txEl>
+                                          </p:spTgt>
+                                        </p:tgtEl>
+                                        <p:attrNameLst>
+                                          <p:attrName>style.visibility</p:attrName>
+                                        </p:attrNameLst>
+                                      </p:cBhvr>
+                                      <p:to>
+                                        <p:strVal val="visible"/>
+                                      </p:to>
+                                    </p:set>
+                                    <p:animEffect transition="in" filter="fade">
+                                      <p:cBhvr>
+                                        <p:cTn id="7" dur="500"/>
+                                        <p:tgtEl>
+                                          <p:spTgt spid="4098">
+                                            <p:txEl>
+                                              <p:pRg st="7" end="7"/>
+                                            </p:txEl>
+                                          </p:spTgt>
+                                        </p:tgtEl>
+                                      </p:cBhvr>
+                                    </p:animEffect>
+                                  </p:childTnLst>
+                                </p:cTn>
+                              </p:par>
+                            </p:childTnLst>
+                          </p:cTn>
+                        </p:par>
+                      </p:childTnLst>
+                    </p:cTn>
+                  </p:par>
+                </p:childTnLst>
+              </p:cTn>
+              <p:prevCondLst>
+                <p:cond evt="onPrev" delay="0">
+                  <p:tgtEl>
+                    <p:sldTgt/>
+                  </p:tgtEl>
+                </p:cond>
+              </p:prevCondLst>
+              <p:nextCondLst>
+                <p:cond evt="onNext" delay="0">
+                  <p:tgtEl>
+                    <p:sldTgt/>
+                  </p:tgtEl>
+                </p:cond>
+              </p:nextCondLst>
+            </p:seq>
+          </p:childTnLst>
+        </p:cTn>
       </p:par>
     </p:tnLst>
   </p:timing>
